--- a/Summary/20251120_jonmah_committee_meeting.pptx
+++ b/Summary/20251120_jonmah_committee_meeting.pptx
@@ -5,7 +5,7 @@
     <p:sldMasterId id="2147483648" r:id="rId1"/>
   </p:sldMasterIdLst>
   <p:notesMasterIdLst>
-    <p:notesMasterId r:id="rId62"/>
+    <p:notesMasterId r:id="rId63"/>
   </p:notesMasterIdLst>
   <p:sldIdLst>
     <p:sldId id="256" r:id="rId2"/>
@@ -28,46 +28,47 @@
     <p:sldId id="286" r:id="rId19"/>
     <p:sldId id="287" r:id="rId20"/>
     <p:sldId id="288" r:id="rId21"/>
-    <p:sldId id="289" r:id="rId22"/>
-    <p:sldId id="317" r:id="rId23"/>
-    <p:sldId id="318" r:id="rId24"/>
-    <p:sldId id="259" r:id="rId25"/>
-    <p:sldId id="274" r:id="rId26"/>
-    <p:sldId id="320" r:id="rId27"/>
-    <p:sldId id="321" r:id="rId28"/>
-    <p:sldId id="319" r:id="rId29"/>
-    <p:sldId id="322" r:id="rId30"/>
-    <p:sldId id="275" r:id="rId31"/>
-    <p:sldId id="276" r:id="rId32"/>
-    <p:sldId id="277" r:id="rId33"/>
-    <p:sldId id="260" r:id="rId34"/>
-    <p:sldId id="261" r:id="rId35"/>
-    <p:sldId id="285" r:id="rId36"/>
-    <p:sldId id="291" r:id="rId37"/>
-    <p:sldId id="290" r:id="rId38"/>
-    <p:sldId id="293" r:id="rId39"/>
-    <p:sldId id="328" r:id="rId40"/>
-    <p:sldId id="329" r:id="rId41"/>
-    <p:sldId id="296" r:id="rId42"/>
-    <p:sldId id="299" r:id="rId43"/>
-    <p:sldId id="300" r:id="rId44"/>
-    <p:sldId id="323" r:id="rId45"/>
-    <p:sldId id="301" r:id="rId46"/>
-    <p:sldId id="302" r:id="rId47"/>
-    <p:sldId id="303" r:id="rId48"/>
-    <p:sldId id="304" r:id="rId49"/>
-    <p:sldId id="305" r:id="rId50"/>
-    <p:sldId id="306" r:id="rId51"/>
-    <p:sldId id="315" r:id="rId52"/>
-    <p:sldId id="327" r:id="rId53"/>
-    <p:sldId id="307" r:id="rId54"/>
-    <p:sldId id="311" r:id="rId55"/>
-    <p:sldId id="312" r:id="rId56"/>
-    <p:sldId id="313" r:id="rId57"/>
-    <p:sldId id="314" r:id="rId58"/>
-    <p:sldId id="324" r:id="rId59"/>
-    <p:sldId id="325" r:id="rId60"/>
-    <p:sldId id="326" r:id="rId61"/>
+    <p:sldId id="330" r:id="rId22"/>
+    <p:sldId id="289" r:id="rId23"/>
+    <p:sldId id="317" r:id="rId24"/>
+    <p:sldId id="318" r:id="rId25"/>
+    <p:sldId id="259" r:id="rId26"/>
+    <p:sldId id="274" r:id="rId27"/>
+    <p:sldId id="320" r:id="rId28"/>
+    <p:sldId id="321" r:id="rId29"/>
+    <p:sldId id="319" r:id="rId30"/>
+    <p:sldId id="322" r:id="rId31"/>
+    <p:sldId id="275" r:id="rId32"/>
+    <p:sldId id="276" r:id="rId33"/>
+    <p:sldId id="277" r:id="rId34"/>
+    <p:sldId id="260" r:id="rId35"/>
+    <p:sldId id="261" r:id="rId36"/>
+    <p:sldId id="285" r:id="rId37"/>
+    <p:sldId id="291" r:id="rId38"/>
+    <p:sldId id="290" r:id="rId39"/>
+    <p:sldId id="293" r:id="rId40"/>
+    <p:sldId id="328" r:id="rId41"/>
+    <p:sldId id="329" r:id="rId42"/>
+    <p:sldId id="296" r:id="rId43"/>
+    <p:sldId id="299" r:id="rId44"/>
+    <p:sldId id="300" r:id="rId45"/>
+    <p:sldId id="323" r:id="rId46"/>
+    <p:sldId id="301" r:id="rId47"/>
+    <p:sldId id="302" r:id="rId48"/>
+    <p:sldId id="303" r:id="rId49"/>
+    <p:sldId id="304" r:id="rId50"/>
+    <p:sldId id="305" r:id="rId51"/>
+    <p:sldId id="306" r:id="rId52"/>
+    <p:sldId id="315" r:id="rId53"/>
+    <p:sldId id="327" r:id="rId54"/>
+    <p:sldId id="307" r:id="rId55"/>
+    <p:sldId id="311" r:id="rId56"/>
+    <p:sldId id="312" r:id="rId57"/>
+    <p:sldId id="313" r:id="rId58"/>
+    <p:sldId id="314" r:id="rId59"/>
+    <p:sldId id="324" r:id="rId60"/>
+    <p:sldId id="325" r:id="rId61"/>
+    <p:sldId id="326" r:id="rId62"/>
   </p:sldIdLst>
   <p:sldSz cx="13004800" cy="9753600"/>
   <p:notesSz cx="13004800" cy="9753600"/>
@@ -191,6 +192,7 @@
             <p14:sldId id="286"/>
             <p14:sldId id="287"/>
             <p14:sldId id="288"/>
+            <p14:sldId id="330"/>
             <p14:sldId id="289"/>
             <p14:sldId id="317"/>
             <p14:sldId id="318"/>
@@ -256,13 +258,53 @@
 <file path=ppt/revisionInfo.xml><?xml version="1.0" encoding="utf-8"?>
 <p1510:revInfo xmlns:a="http://schemas.openxmlformats.org/drawingml/2006/main" xmlns:r="http://schemas.openxmlformats.org/officeDocument/2006/relationships" xmlns:p1510="http://schemas.microsoft.com/office/powerpoint/2015/10/main">
   <p1510:revLst>
-    <p1510:client id="{89A075D5-7D11-40BF-84C8-3C4001C13329}" v="78" dt="2025-11-20T20:18:01.761"/>
+    <p1510:client id="{AB91ECAB-DE02-411C-88A8-20AB276EAD61}" v="1" dt="2025-12-10T17:03:21.840"/>
   </p1510:revLst>
 </p1510:revInfo>
 </file>
 
 <file path=ppt/changesInfos/changesInfo1.xml><?xml version="1.0" encoding="utf-8"?>
 <pc:chgInfo xmlns:a="http://schemas.openxmlformats.org/drawingml/2006/main" xmlns:r="http://schemas.openxmlformats.org/officeDocument/2006/relationships" xmlns:ac="http://schemas.microsoft.com/office/drawing/2013/main/command" xmlns:pc="http://schemas.microsoft.com/office/powerpoint/2013/main/command">
+  <pc:docChgLst>
+    <pc:chgData name="Jonathan Mah" userId="5261b2f2f3e51194" providerId="LiveId" clId="{A5D66373-2F43-49C1-972D-0BE2B77E544E}"/>
+    <pc:docChg chg="custSel addSld modSld modSection">
+      <pc:chgData name="Jonathan Mah" userId="5261b2f2f3e51194" providerId="LiveId" clId="{A5D66373-2F43-49C1-972D-0BE2B77E544E}" dt="2025-12-10T17:03:32.070" v="3" actId="732"/>
+      <pc:docMkLst>
+        <pc:docMk/>
+      </pc:docMkLst>
+      <pc:sldChg chg="addSp delSp modSp new mod">
+        <pc:chgData name="Jonathan Mah" userId="5261b2f2f3e51194" providerId="LiveId" clId="{A5D66373-2F43-49C1-972D-0BE2B77E544E}" dt="2025-12-10T17:03:32.070" v="3" actId="732"/>
+        <pc:sldMkLst>
+          <pc:docMk/>
+          <pc:sldMk cId="1294611952" sldId="330"/>
+        </pc:sldMkLst>
+        <pc:spChg chg="del">
+          <ac:chgData name="Jonathan Mah" userId="5261b2f2f3e51194" providerId="LiveId" clId="{A5D66373-2F43-49C1-972D-0BE2B77E544E}" dt="2025-12-10T17:03:19.747" v="1" actId="478"/>
+          <ac:spMkLst>
+            <pc:docMk/>
+            <pc:sldMk cId="1294611952" sldId="330"/>
+            <ac:spMk id="2" creationId="{E7AE5EB4-D8E8-7CAA-CA11-EFCCB13A04C7}"/>
+          </ac:spMkLst>
+        </pc:spChg>
+        <pc:spChg chg="del">
+          <ac:chgData name="Jonathan Mah" userId="5261b2f2f3e51194" providerId="LiveId" clId="{A5D66373-2F43-49C1-972D-0BE2B77E544E}" dt="2025-12-10T17:03:19.747" v="1" actId="478"/>
+          <ac:spMkLst>
+            <pc:docMk/>
+            <pc:sldMk cId="1294611952" sldId="330"/>
+            <ac:spMk id="3" creationId="{FF9EF8FA-9C8B-4B69-E197-D89CE90B24B9}"/>
+          </ac:spMkLst>
+        </pc:spChg>
+        <pc:picChg chg="add mod modCrop">
+          <ac:chgData name="Jonathan Mah" userId="5261b2f2f3e51194" providerId="LiveId" clId="{A5D66373-2F43-49C1-972D-0BE2B77E544E}" dt="2025-12-10T17:03:32.070" v="3" actId="732"/>
+          <ac:picMkLst>
+            <pc:docMk/>
+            <pc:sldMk cId="1294611952" sldId="330"/>
+            <ac:picMk id="4" creationId="{81A94974-0FC3-D8CA-B104-761F527D220D}"/>
+          </ac:picMkLst>
+        </pc:picChg>
+      </pc:sldChg>
+    </pc:docChg>
+  </pc:docChgLst>
   <pc:docChgLst>
     <pc:chgData name="Jonathan Mah" userId="5261b2f2f3e51194" providerId="LiveId" clId="{DB9BCF8B-E91B-491C-8171-92D39BBC1534}"/>
     <pc:docChg chg="undo custSel addSld modSld">
@@ -290,14 +332,6 @@
           <pc:docMk/>
           <pc:sldMk cId="2013949097" sldId="274"/>
         </pc:sldMkLst>
-        <pc:picChg chg="del">
-          <ac:chgData name="Jonathan Mah" userId="5261b2f2f3e51194" providerId="LiveId" clId="{DB9BCF8B-E91B-491C-8171-92D39BBC1534}" dt="2025-11-20T17:31:19.101" v="1156" actId="478"/>
-          <ac:picMkLst>
-            <pc:docMk/>
-            <pc:sldMk cId="2013949097" sldId="274"/>
-            <ac:picMk id="5" creationId="{58C94974-A01F-09F8-7DDC-6688BC03A310}"/>
-          </ac:picMkLst>
-        </pc:picChg>
       </pc:sldChg>
       <pc:sldChg chg="addSp delSp modSp mod modNotesTx">
         <pc:chgData name="Jonathan Mah" userId="5261b2f2f3e51194" providerId="LiveId" clId="{DB9BCF8B-E91B-491C-8171-92D39BBC1534}" dt="2025-11-20T17:52:41.795" v="2188" actId="14100"/>
@@ -319,14 +353,6 @@
             <pc:docMk/>
             <pc:sldMk cId="3143581182" sldId="275"/>
             <ac:picMk id="3" creationId="{2EE0607B-6025-4EA4-7474-7230F848E2D5}"/>
-          </ac:picMkLst>
-        </pc:picChg>
-        <pc:picChg chg="del">
-          <ac:chgData name="Jonathan Mah" userId="5261b2f2f3e51194" providerId="LiveId" clId="{DB9BCF8B-E91B-491C-8171-92D39BBC1534}" dt="2025-11-20T17:48:29.353" v="2173" actId="478"/>
-          <ac:picMkLst>
-            <pc:docMk/>
-            <pc:sldMk cId="3143581182" sldId="275"/>
-            <ac:picMk id="4" creationId="{1EC46661-F4E7-9546-C964-B97F652AE811}"/>
           </ac:picMkLst>
         </pc:picChg>
       </pc:sldChg>
@@ -352,14 +378,6 @@
             <ac:picMk id="3" creationId="{B823CF14-49B3-91CA-DEA7-3E72A0921E97}"/>
           </ac:picMkLst>
         </pc:picChg>
-        <pc:picChg chg="del">
-          <ac:chgData name="Jonathan Mah" userId="5261b2f2f3e51194" providerId="LiveId" clId="{DB9BCF8B-E91B-491C-8171-92D39BBC1534}" dt="2025-11-20T17:48:30.428" v="2174" actId="478"/>
-          <ac:picMkLst>
-            <pc:docMk/>
-            <pc:sldMk cId="827994631" sldId="276"/>
-            <ac:picMk id="4" creationId="{241B6DC2-3F91-8433-EC48-52C2380D51E4}"/>
-          </ac:picMkLst>
-        </pc:picChg>
       </pc:sldChg>
       <pc:sldChg chg="addSp delSp modSp mod modNotesTx">
         <pc:chgData name="Jonathan Mah" userId="5261b2f2f3e51194" providerId="LiveId" clId="{DB9BCF8B-E91B-491C-8171-92D39BBC1534}" dt="2025-11-20T17:53:14.170" v="2195" actId="14100"/>
@@ -383,14 +401,6 @@
             <ac:picMk id="3" creationId="{8E1175D9-7C7C-1A9C-512A-8640F70A53AD}"/>
           </ac:picMkLst>
         </pc:picChg>
-        <pc:picChg chg="del">
-          <ac:chgData name="Jonathan Mah" userId="5261b2f2f3e51194" providerId="LiveId" clId="{DB9BCF8B-E91B-491C-8171-92D39BBC1534}" dt="2025-11-20T17:48:32.518" v="2175" actId="478"/>
-          <ac:picMkLst>
-            <pc:docMk/>
-            <pc:sldMk cId="3060462361" sldId="277"/>
-            <ac:picMk id="4" creationId="{F5EAD526-DAEF-2BCB-11DC-D2EF154F8CA5}"/>
-          </ac:picMkLst>
-        </pc:picChg>
       </pc:sldChg>
       <pc:sldChg chg="addSp delSp modSp mod modNotesTx">
         <pc:chgData name="Jonathan Mah" userId="5261b2f2f3e51194" providerId="LiveId" clId="{DB9BCF8B-E91B-491C-8171-92D39BBC1534}" dt="2025-11-20T17:15:20.136" v="865" actId="20577"/>
@@ -398,14 +408,6 @@
           <pc:docMk/>
           <pc:sldMk cId="3987497924" sldId="280"/>
         </pc:sldMkLst>
-        <pc:picChg chg="add del mod">
-          <ac:chgData name="Jonathan Mah" userId="5261b2f2f3e51194" providerId="LiveId" clId="{DB9BCF8B-E91B-491C-8171-92D39BBC1534}" dt="2025-11-20T17:10:21.183" v="571" actId="478"/>
-          <ac:picMkLst>
-            <pc:docMk/>
-            <pc:sldMk cId="3987497924" sldId="280"/>
-            <ac:picMk id="4" creationId="{59D954EF-BB3E-EA50-BAF2-0FCA64747901}"/>
-          </ac:picMkLst>
-        </pc:picChg>
         <pc:picChg chg="mod">
           <ac:chgData name="Jonathan Mah" userId="5261b2f2f3e51194" providerId="LiveId" clId="{DB9BCF8B-E91B-491C-8171-92D39BBC1534}" dt="2025-11-20T17:09:38.747" v="569" actId="1076"/>
           <ac:picMkLst>
@@ -577,14 +579,6 @@
             <ac:picMk id="3" creationId="{385F8E6B-FE80-371A-29A5-76E21A0327C9}"/>
           </ac:picMkLst>
         </pc:picChg>
-        <pc:picChg chg="del">
-          <ac:chgData name="Jonathan Mah" userId="5261b2f2f3e51194" providerId="LiveId" clId="{DB9BCF8B-E91B-491C-8171-92D39BBC1534}" dt="2025-11-20T17:48:27.371" v="2171" actId="478"/>
-          <ac:picMkLst>
-            <pc:docMk/>
-            <pc:sldMk cId="3430087762" sldId="319"/>
-            <ac:picMk id="5" creationId="{B8F92E0F-7CF5-ECA6-6EAB-15CB5706445E}"/>
-          </ac:picMkLst>
-        </pc:picChg>
       </pc:sldChg>
       <pc:sldChg chg="addSp modSp add mod modNotesTx">
         <pc:chgData name="Jonathan Mah" userId="5261b2f2f3e51194" providerId="LiveId" clId="{DB9BCF8B-E91B-491C-8171-92D39BBC1534}" dt="2025-11-20T17:35:23.342" v="1642" actId="20577"/>
@@ -638,14 +632,6 @@
           <pc:docMk/>
           <pc:sldMk cId="62847071" sldId="322"/>
         </pc:sldMkLst>
-        <pc:spChg chg="add">
-          <ac:chgData name="Jonathan Mah" userId="5261b2f2f3e51194" providerId="LiveId" clId="{DB9BCF8B-E91B-491C-8171-92D39BBC1534}" dt="2025-11-20T17:51:50.330" v="2176"/>
-          <ac:spMkLst>
-            <pc:docMk/>
-            <pc:sldMk cId="62847071" sldId="322"/>
-            <ac:spMk id="3" creationId="{3FFEC19C-2727-01D4-27F9-7CD1FA5E895E}"/>
-          </ac:spMkLst>
-        </pc:spChg>
         <pc:spChg chg="add mod">
           <ac:chgData name="Jonathan Mah" userId="5261b2f2f3e51194" providerId="LiveId" clId="{DB9BCF8B-E91B-491C-8171-92D39BBC1534}" dt="2025-11-20T17:53:50.558" v="2272" actId="14100"/>
           <ac:spMkLst>
@@ -660,14 +646,6 @@
             <pc:docMk/>
             <pc:sldMk cId="62847071" sldId="322"/>
             <ac:picMk id="4" creationId="{C6804022-49D0-19C2-3639-A843786FA25D}"/>
-          </ac:picMkLst>
-        </pc:picChg>
-        <pc:picChg chg="del">
-          <ac:chgData name="Jonathan Mah" userId="5261b2f2f3e51194" providerId="LiveId" clId="{DB9BCF8B-E91B-491C-8171-92D39BBC1534}" dt="2025-11-20T17:48:28.363" v="2172" actId="478"/>
-          <ac:picMkLst>
-            <pc:docMk/>
-            <pc:sldMk cId="62847071" sldId="322"/>
-            <ac:picMk id="5" creationId="{F3BAF494-5E62-B205-A49A-1427192CF9BE}"/>
           </ac:picMkLst>
         </pc:picChg>
       </pc:sldChg>
@@ -693,30 +671,6 @@
             <ac:picMk id="4" creationId="{AA912C2A-8589-A802-0FE5-3D55AAB96DDA}"/>
           </ac:picMkLst>
         </pc:picChg>
-        <pc:picChg chg="del">
-          <ac:chgData name="Jonathan Mah" userId="5261b2f2f3e51194" providerId="LiveId" clId="{DB9BCF8B-E91B-491C-8171-92D39BBC1534}" dt="2025-11-20T17:57:29.003" v="2640" actId="478"/>
-          <ac:picMkLst>
-            <pc:docMk/>
-            <pc:sldMk cId="1549394937" sldId="323"/>
-            <ac:picMk id="5" creationId="{BE713645-5798-67A2-0EC2-FA2128CDECB6}"/>
-          </ac:picMkLst>
-        </pc:picChg>
-        <pc:picChg chg="del">
-          <ac:chgData name="Jonathan Mah" userId="5261b2f2f3e51194" providerId="LiveId" clId="{DB9BCF8B-E91B-491C-8171-92D39BBC1534}" dt="2025-11-20T17:57:29.003" v="2640" actId="478"/>
-          <ac:picMkLst>
-            <pc:docMk/>
-            <pc:sldMk cId="1549394937" sldId="323"/>
-            <ac:picMk id="7" creationId="{0403F608-1F7C-9B35-2A04-01381C033ABD}"/>
-          </ac:picMkLst>
-        </pc:picChg>
-        <pc:picChg chg="del">
-          <ac:chgData name="Jonathan Mah" userId="5261b2f2f3e51194" providerId="LiveId" clId="{DB9BCF8B-E91B-491C-8171-92D39BBC1534}" dt="2025-11-20T17:57:29.003" v="2640" actId="478"/>
-          <ac:picMkLst>
-            <pc:docMk/>
-            <pc:sldMk cId="1549394937" sldId="323"/>
-            <ac:picMk id="9" creationId="{A1946AF0-A9CB-9D56-AAB1-9F6F4E739A02}"/>
-          </ac:picMkLst>
-        </pc:picChg>
         <pc:picChg chg="add mod">
           <ac:chgData name="Jonathan Mah" userId="5261b2f2f3e51194" providerId="LiveId" clId="{DB9BCF8B-E91B-491C-8171-92D39BBC1534}" dt="2025-11-20T20:17:55.265" v="3550" actId="1076"/>
           <ac:picMkLst>
@@ -740,22 +694,6 @@
           <pc:docMk/>
           <pc:sldMk cId="3711617737" sldId="324"/>
         </pc:sldMkLst>
-        <pc:picChg chg="del">
-          <ac:chgData name="Jonathan Mah" userId="5261b2f2f3e51194" providerId="LiveId" clId="{DB9BCF8B-E91B-491C-8171-92D39BBC1534}" dt="2025-11-20T18:02:56.818" v="2700" actId="478"/>
-          <ac:picMkLst>
-            <pc:docMk/>
-            <pc:sldMk cId="3711617737" sldId="324"/>
-            <ac:picMk id="4" creationId="{0F1BB6D9-B0D8-30CD-61A6-1D1C975CDD2F}"/>
-          </ac:picMkLst>
-        </pc:picChg>
-        <pc:picChg chg="add del mod">
-          <ac:chgData name="Jonathan Mah" userId="5261b2f2f3e51194" providerId="LiveId" clId="{DB9BCF8B-E91B-491C-8171-92D39BBC1534}" dt="2025-11-20T18:03:37.531" v="2709" actId="478"/>
-          <ac:picMkLst>
-            <pc:docMk/>
-            <pc:sldMk cId="3711617737" sldId="324"/>
-            <ac:picMk id="2050" creationId="{BCF8E590-C0E1-5F4B-4F2D-366B4B962F62}"/>
-          </ac:picMkLst>
-        </pc:picChg>
         <pc:picChg chg="add">
           <ac:chgData name="Jonathan Mah" userId="5261b2f2f3e51194" providerId="LiveId" clId="{DB9BCF8B-E91B-491C-8171-92D39BBC1534}" dt="2025-11-20T18:03:40.103" v="2710"/>
           <ac:picMkLst>
@@ -824,54 +762,6 @@
             <ac:spMk id="7" creationId="{291FD428-5256-2C5D-550B-BDA86C335924}"/>
           </ac:spMkLst>
         </pc:spChg>
-        <pc:spChg chg="add del mod">
-          <ac:chgData name="Jonathan Mah" userId="5261b2f2f3e51194" providerId="LiveId" clId="{DB9BCF8B-E91B-491C-8171-92D39BBC1534}" dt="2025-11-20T19:50:29.328" v="3196" actId="478"/>
-          <ac:spMkLst>
-            <pc:docMk/>
-            <pc:sldMk cId="3402187243" sldId="328"/>
-            <ac:spMk id="8" creationId="{0C4FD15B-B020-73C7-9C0E-C75549FA2720}"/>
-          </ac:spMkLst>
-        </pc:spChg>
-        <pc:spChg chg="add del">
-          <ac:chgData name="Jonathan Mah" userId="5261b2f2f3e51194" providerId="LiveId" clId="{DB9BCF8B-E91B-491C-8171-92D39BBC1534}" dt="2025-11-20T19:47:17.092" v="2804" actId="478"/>
-          <ac:spMkLst>
-            <pc:docMk/>
-            <pc:sldMk cId="3402187243" sldId="328"/>
-            <ac:spMk id="11" creationId="{5C4015C3-0614-E220-9A5A-DCF83424416E}"/>
-          </ac:spMkLst>
-        </pc:spChg>
-        <pc:spChg chg="add del mod">
-          <ac:chgData name="Jonathan Mah" userId="5261b2f2f3e51194" providerId="LiveId" clId="{DB9BCF8B-E91B-491C-8171-92D39BBC1534}" dt="2025-11-20T19:50:29.328" v="3196" actId="478"/>
-          <ac:spMkLst>
-            <pc:docMk/>
-            <pc:sldMk cId="3402187243" sldId="328"/>
-            <ac:spMk id="12" creationId="{75CAA63D-9707-39F2-5320-4E5ED0D23100}"/>
-          </ac:spMkLst>
-        </pc:spChg>
-        <pc:spChg chg="add del mod">
-          <ac:chgData name="Jonathan Mah" userId="5261b2f2f3e51194" providerId="LiveId" clId="{DB9BCF8B-E91B-491C-8171-92D39BBC1534}" dt="2025-11-20T19:50:29.328" v="3196" actId="478"/>
-          <ac:spMkLst>
-            <pc:docMk/>
-            <pc:sldMk cId="3402187243" sldId="328"/>
-            <ac:spMk id="13" creationId="{1482F375-F6F5-74C6-6457-B03DF712C0F1}"/>
-          </ac:spMkLst>
-        </pc:spChg>
-        <pc:spChg chg="add del mod">
-          <ac:chgData name="Jonathan Mah" userId="5261b2f2f3e51194" providerId="LiveId" clId="{DB9BCF8B-E91B-491C-8171-92D39BBC1534}" dt="2025-11-20T19:50:29.328" v="3196" actId="478"/>
-          <ac:spMkLst>
-            <pc:docMk/>
-            <pc:sldMk cId="3402187243" sldId="328"/>
-            <ac:spMk id="14" creationId="{4D666B2F-6C92-2094-5635-8C5DA53947AE}"/>
-          </ac:spMkLst>
-        </pc:spChg>
-        <pc:spChg chg="add del mod">
-          <ac:chgData name="Jonathan Mah" userId="5261b2f2f3e51194" providerId="LiveId" clId="{DB9BCF8B-E91B-491C-8171-92D39BBC1534}" dt="2025-11-20T19:50:29.328" v="3196" actId="478"/>
-          <ac:spMkLst>
-            <pc:docMk/>
-            <pc:sldMk cId="3402187243" sldId="328"/>
-            <ac:spMk id="15" creationId="{840E09EE-8D56-16DC-614D-100E00C9E97E}"/>
-          </ac:spMkLst>
-        </pc:spChg>
         <pc:spChg chg="add mod">
           <ac:chgData name="Jonathan Mah" userId="5261b2f2f3e51194" providerId="LiveId" clId="{DB9BCF8B-E91B-491C-8171-92D39BBC1534}" dt="2025-11-20T19:49:05.979" v="2851" actId="1076"/>
           <ac:spMkLst>
@@ -902,14 +792,6 @@
             <pc:docMk/>
             <pc:sldMk cId="3402187243" sldId="328"/>
             <ac:picMk id="6" creationId="{86711506-A4B4-05B4-E8F7-D9FC3AC0DEAF}"/>
-          </ac:picMkLst>
-        </pc:picChg>
-        <pc:picChg chg="add del mod">
-          <ac:chgData name="Jonathan Mah" userId="5261b2f2f3e51194" providerId="LiveId" clId="{DB9BCF8B-E91B-491C-8171-92D39BBC1534}" dt="2025-11-20T19:50:29.328" v="3196" actId="478"/>
-          <ac:picMkLst>
-            <pc:docMk/>
-            <pc:sldMk cId="3402187243" sldId="328"/>
-            <ac:picMk id="10" creationId="{316AD365-3AE1-D669-DE15-F1A712399ED4}"/>
           </ac:picMkLst>
         </pc:picChg>
         <pc:picChg chg="mod">
@@ -1015,7 +897,7 @@
           <a:p>
             <a:fld id="{ECB849DA-4571-48AE-B108-B012171980BD}" type="datetimeFigureOut">
               <a:rPr lang="en-US" smtClean="0"/>
-              <a:t>11/20/2025</a:t>
+              <a:t>12/10/2025</a:t>
             </a:fld>
             <a:endParaRPr lang="en-US"/>
           </a:p>
@@ -2718,7 +2600,7 @@
           <a:p>
             <a:fld id="{599CC9A3-A707-4B34-82D4-E64BA4C5A8D1}" type="slidenum">
               <a:rPr lang="en-US" smtClean="0"/>
-              <a:t>21</a:t>
+              <a:t>22</a:t>
             </a:fld>
             <a:endParaRPr lang="en-US"/>
           </a:p>
@@ -2829,7 +2711,7 @@
           <a:p>
             <a:fld id="{599CC9A3-A707-4B34-82D4-E64BA4C5A8D1}" type="slidenum">
               <a:rPr lang="en-US" smtClean="0"/>
-              <a:t>22</a:t>
+              <a:t>23</a:t>
             </a:fld>
             <a:endParaRPr lang="en-US"/>
           </a:p>
@@ -2940,7 +2822,7 @@
           <a:p>
             <a:fld id="{599CC9A3-A707-4B34-82D4-E64BA4C5A8D1}" type="slidenum">
               <a:rPr lang="en-US" smtClean="0"/>
-              <a:t>23</a:t>
+              <a:t>24</a:t>
             </a:fld>
             <a:endParaRPr lang="en-US"/>
           </a:p>
@@ -3027,7 +2909,7 @@
           <a:p>
             <a:fld id="{599CC9A3-A707-4B34-82D4-E64BA4C5A8D1}" type="slidenum">
               <a:rPr lang="en-US" smtClean="0"/>
-              <a:t>24</a:t>
+              <a:t>25</a:t>
             </a:fld>
             <a:endParaRPr lang="en-US"/>
           </a:p>
@@ -3152,7 +3034,7 @@
           <a:p>
             <a:fld id="{599CC9A3-A707-4B34-82D4-E64BA4C5A8D1}" type="slidenum">
               <a:rPr lang="en-US" smtClean="0"/>
-              <a:t>25</a:t>
+              <a:t>26</a:t>
             </a:fld>
             <a:endParaRPr lang="en-US"/>
           </a:p>
@@ -3263,7 +3145,7 @@
           <a:p>
             <a:fld id="{599CC9A3-A707-4B34-82D4-E64BA4C5A8D1}" type="slidenum">
               <a:rPr lang="en-US" smtClean="0"/>
-              <a:t>26</a:t>
+              <a:t>27</a:t>
             </a:fld>
             <a:endParaRPr lang="en-US"/>
           </a:p>
@@ -3374,7 +3256,7 @@
           <a:p>
             <a:fld id="{599CC9A3-A707-4B34-82D4-E64BA4C5A8D1}" type="slidenum">
               <a:rPr lang="en-US" smtClean="0"/>
-              <a:t>27</a:t>
+              <a:t>28</a:t>
             </a:fld>
             <a:endParaRPr lang="en-US"/>
           </a:p>
@@ -3485,7 +3367,7 @@
           <a:p>
             <a:fld id="{599CC9A3-A707-4B34-82D4-E64BA4C5A8D1}" type="slidenum">
               <a:rPr lang="en-US" smtClean="0"/>
-              <a:t>28</a:t>
+              <a:t>29</a:t>
             </a:fld>
             <a:endParaRPr lang="en-US"/>
           </a:p>
@@ -3596,7 +3478,7 @@
           <a:p>
             <a:fld id="{599CC9A3-A707-4B34-82D4-E64BA4C5A8D1}" type="slidenum">
               <a:rPr lang="en-US" smtClean="0"/>
-              <a:t>29</a:t>
+              <a:t>30</a:t>
             </a:fld>
             <a:endParaRPr lang="en-US"/>
           </a:p>
@@ -3724,7 +3606,7 @@
           <a:p>
             <a:fld id="{599CC9A3-A707-4B34-82D4-E64BA4C5A8D1}" type="slidenum">
               <a:rPr lang="en-US" smtClean="0"/>
-              <a:t>30</a:t>
+              <a:t>31</a:t>
             </a:fld>
             <a:endParaRPr lang="en-US"/>
           </a:p>
@@ -3953,7 +3835,7 @@
           <a:p>
             <a:fld id="{599CC9A3-A707-4B34-82D4-E64BA4C5A8D1}" type="slidenum">
               <a:rPr lang="en-US" smtClean="0"/>
-              <a:t>31</a:t>
+              <a:t>32</a:t>
             </a:fld>
             <a:endParaRPr lang="en-US"/>
           </a:p>
@@ -4077,7 +3959,7 @@
           <a:p>
             <a:fld id="{599CC9A3-A707-4B34-82D4-E64BA4C5A8D1}" type="slidenum">
               <a:rPr lang="en-US" smtClean="0"/>
-              <a:t>32</a:t>
+              <a:t>33</a:t>
             </a:fld>
             <a:endParaRPr lang="en-US"/>
           </a:p>
@@ -4164,7 +4046,7 @@
           <a:p>
             <a:fld id="{599CC9A3-A707-4B34-82D4-E64BA4C5A8D1}" type="slidenum">
               <a:rPr lang="en-US" smtClean="0"/>
-              <a:t>33</a:t>
+              <a:t>34</a:t>
             </a:fld>
             <a:endParaRPr lang="en-US"/>
           </a:p>
@@ -4263,7 +4145,7 @@
           <a:p>
             <a:fld id="{599CC9A3-A707-4B34-82D4-E64BA4C5A8D1}" type="slidenum">
               <a:rPr lang="en-US" smtClean="0"/>
-              <a:t>34</a:t>
+              <a:t>35</a:t>
             </a:fld>
             <a:endParaRPr lang="en-US"/>
           </a:p>
@@ -4371,7 +4253,7 @@
           <a:p>
             <a:fld id="{599CC9A3-A707-4B34-82D4-E64BA4C5A8D1}" type="slidenum">
               <a:rPr lang="en-US" smtClean="0"/>
-              <a:t>35</a:t>
+              <a:t>36</a:t>
             </a:fld>
             <a:endParaRPr lang="en-US"/>
           </a:p>
@@ -4479,7 +4361,7 @@
           <a:p>
             <a:fld id="{599CC9A3-A707-4B34-82D4-E64BA4C5A8D1}" type="slidenum">
               <a:rPr lang="en-US" smtClean="0"/>
-              <a:t>36</a:t>
+              <a:t>37</a:t>
             </a:fld>
             <a:endParaRPr lang="en-US"/>
           </a:p>
@@ -4590,7 +4472,7 @@
           <a:p>
             <a:fld id="{599CC9A3-A707-4B34-82D4-E64BA4C5A8D1}" type="slidenum">
               <a:rPr lang="en-US" smtClean="0"/>
-              <a:t>37</a:t>
+              <a:t>38</a:t>
             </a:fld>
             <a:endParaRPr lang="en-US"/>
           </a:p>
@@ -4713,7 +4595,7 @@
           <a:p>
             <a:fld id="{599CC9A3-A707-4B34-82D4-E64BA4C5A8D1}" type="slidenum">
               <a:rPr lang="en-US" smtClean="0"/>
-              <a:t>38</a:t>
+              <a:t>39</a:t>
             </a:fld>
             <a:endParaRPr lang="en-US"/>
           </a:p>
@@ -4824,7 +4706,7 @@
           <a:p>
             <a:fld id="{599CC9A3-A707-4B34-82D4-E64BA4C5A8D1}" type="slidenum">
               <a:rPr lang="en-US" smtClean="0"/>
-              <a:t>39</a:t>
+              <a:t>40</a:t>
             </a:fld>
             <a:endParaRPr lang="en-US"/>
           </a:p>
@@ -4935,7 +4817,7 @@
           <a:p>
             <a:fld id="{599CC9A3-A707-4B34-82D4-E64BA4C5A8D1}" type="slidenum">
               <a:rPr lang="en-US" smtClean="0"/>
-              <a:t>40</a:t>
+              <a:t>41</a:t>
             </a:fld>
             <a:endParaRPr lang="en-US"/>
           </a:p>
@@ -5174,7 +5056,7 @@
           <a:p>
             <a:fld id="{599CC9A3-A707-4B34-82D4-E64BA4C5A8D1}" type="slidenum">
               <a:rPr lang="en-US" smtClean="0"/>
-              <a:t>41</a:t>
+              <a:t>42</a:t>
             </a:fld>
             <a:endParaRPr lang="en-US"/>
           </a:p>
@@ -5313,7 +5195,7 @@
           <a:p>
             <a:fld id="{599CC9A3-A707-4B34-82D4-E64BA4C5A8D1}" type="slidenum">
               <a:rPr lang="en-US" smtClean="0"/>
-              <a:t>51</a:t>
+              <a:t>52</a:t>
             </a:fld>
             <a:endParaRPr lang="en-US"/>
           </a:p>
@@ -5953,7 +5835,7 @@
           <a:p>
             <a:fld id="{1D8BD707-D9CF-40AE-B4C6-C98DA3205C09}" type="datetimeFigureOut">
               <a:rPr lang="en-US"/>
-              <a:t>11/20/2025</a:t>
+              <a:t>12/10/2025</a:t>
             </a:fld>
             <a:endParaRPr lang="en-US"/>
           </a:p>
@@ -6128,7 +6010,7 @@
           <a:p>
             <a:fld id="{1D8BD707-D9CF-40AE-B4C6-C98DA3205C09}" type="datetimeFigureOut">
               <a:rPr lang="en-US"/>
-              <a:t>11/20/2025</a:t>
+              <a:t>12/10/2025</a:t>
             </a:fld>
             <a:endParaRPr lang="en-US"/>
           </a:p>
@@ -6342,7 +6224,7 @@
           <a:p>
             <a:fld id="{1D8BD707-D9CF-40AE-B4C6-C98DA3205C09}" type="datetimeFigureOut">
               <a:rPr lang="en-US"/>
-              <a:t>11/20/2025</a:t>
+              <a:t>12/10/2025</a:t>
             </a:fld>
             <a:endParaRPr lang="en-US"/>
           </a:p>
@@ -6490,7 +6372,7 @@
           <a:p>
             <a:fld id="{1D8BD707-D9CF-40AE-B4C6-C98DA3205C09}" type="datetimeFigureOut">
               <a:rPr lang="en-US"/>
-              <a:t>11/20/2025</a:t>
+              <a:t>12/10/2025</a:t>
             </a:fld>
             <a:endParaRPr lang="en-US"/>
           </a:p>
@@ -6609,7 +6491,7 @@
           <a:p>
             <a:fld id="{1D8BD707-D9CF-40AE-B4C6-C98DA3205C09}" type="datetimeFigureOut">
               <a:rPr lang="en-US"/>
-              <a:t>11/20/2025</a:t>
+              <a:t>12/10/2025</a:t>
             </a:fld>
             <a:endParaRPr lang="en-US"/>
           </a:p>
@@ -6832,7 +6714,7 @@
           <a:p>
             <a:fld id="{1D8BD707-D9CF-40AE-B4C6-C98DA3205C09}" type="datetimeFigureOut">
               <a:rPr lang="en-US"/>
-              <a:t>11/20/2025</a:t>
+              <a:t>12/10/2025</a:t>
             </a:fld>
             <a:endParaRPr lang="en-US"/>
           </a:p>
@@ -23764,6 +23646,67 @@
   <p:cSld>
     <p:spTree>
       <p:nvGrpSpPr>
+        <p:cNvPr id="1" name=""/>
+        <p:cNvGrpSpPr/>
+        <p:nvPr/>
+      </p:nvGrpSpPr>
+      <p:grpSpPr>
+        <a:xfrm>
+          <a:off x="0" y="0"/>
+          <a:ext cx="0" cy="0"/>
+          <a:chOff x="0" y="0"/>
+          <a:chExt cx="0" cy="0"/>
+        </a:xfrm>
+      </p:grpSpPr>
+      <p:pic>
+        <p:nvPicPr>
+          <p:cNvPr id="4" name="Picture 3">
+            <a:extLst>
+              <a:ext uri="{FF2B5EF4-FFF2-40B4-BE49-F238E27FC236}">
+                <a16:creationId xmlns:a16="http://schemas.microsoft.com/office/drawing/2014/main" id="{81A94974-0FC3-D8CA-B104-761F527D220D}"/>
+              </a:ext>
+            </a:extLst>
+          </p:cNvPr>
+          <p:cNvPicPr>
+            <a:picLocks noChangeAspect="1"/>
+          </p:cNvPicPr>
+          <p:nvPr/>
+        </p:nvPicPr>
+        <p:blipFill>
+          <a:blip r:embed="rId2"/>
+          <a:srcRect b="50580"/>
+          <a:stretch>
+            <a:fillRect/>
+          </a:stretch>
+        </p:blipFill>
+        <p:spPr>
+          <a:xfrm>
+            <a:off x="0" y="2971800"/>
+            <a:ext cx="13004800" cy="3505200"/>
+          </a:xfrm>
+          <a:prstGeom prst="rect">
+            <a:avLst/>
+          </a:prstGeom>
+        </p:spPr>
+      </p:pic>
+    </p:spTree>
+    <p:extLst>
+      <p:ext uri="{BB962C8B-B14F-4D97-AF65-F5344CB8AC3E}">
+        <p14:creationId xmlns:p14="http://schemas.microsoft.com/office/powerpoint/2010/main" val="1294611952"/>
+      </p:ext>
+    </p:extLst>
+  </p:cSld>
+  <p:clrMapOvr>
+    <a:masterClrMapping/>
+  </p:clrMapOvr>
+</p:sld>
+</file>
+
+<file path=ppt/slides/slide22.xml><?xml version="1.0" encoding="utf-8"?>
+<p:sld xmlns:a="http://schemas.openxmlformats.org/drawingml/2006/main" xmlns:r="http://schemas.openxmlformats.org/officeDocument/2006/relationships" xmlns:p="http://schemas.openxmlformats.org/presentationml/2006/main">
+  <p:cSld>
+    <p:spTree>
+      <p:nvGrpSpPr>
         <p:cNvPr id="1" name="">
           <a:extLst>
             <a:ext uri="{FF2B5EF4-FFF2-40B4-BE49-F238E27FC236}">
@@ -23965,7 +23908,7 @@
 </p:sld>
 </file>
 
-<file path=ppt/slides/slide22.xml><?xml version="1.0" encoding="utf-8"?>
+<file path=ppt/slides/slide23.xml><?xml version="1.0" encoding="utf-8"?>
 <p:sld xmlns:a="http://schemas.openxmlformats.org/drawingml/2006/main" xmlns:r="http://schemas.openxmlformats.org/officeDocument/2006/relationships" xmlns:p="http://schemas.openxmlformats.org/presentationml/2006/main">
   <p:cSld>
     <p:spTree>
@@ -24171,7 +24114,7 @@
 </p:sld>
 </file>
 
-<file path=ppt/slides/slide23.xml><?xml version="1.0" encoding="utf-8"?>
+<file path=ppt/slides/slide24.xml><?xml version="1.0" encoding="utf-8"?>
 <p:sld xmlns:a="http://schemas.openxmlformats.org/drawingml/2006/main" xmlns:r="http://schemas.openxmlformats.org/officeDocument/2006/relationships" xmlns:p="http://schemas.openxmlformats.org/presentationml/2006/main">
   <p:cSld>
     <p:spTree>
@@ -24325,7 +24268,7 @@
 </p:sld>
 </file>
 
-<file path=ppt/slides/slide24.xml><?xml version="1.0" encoding="utf-8"?>
+<file path=ppt/slides/slide25.xml><?xml version="1.0" encoding="utf-8"?>
 <p:sld xmlns:a="http://schemas.openxmlformats.org/drawingml/2006/main" xmlns:r="http://schemas.openxmlformats.org/officeDocument/2006/relationships" xmlns:p="http://schemas.openxmlformats.org/presentationml/2006/main">
   <p:cSld>
     <p:spTree>
@@ -24391,7 +24334,7 @@
 </p:sld>
 </file>
 
-<file path=ppt/slides/slide25.xml><?xml version="1.0" encoding="utf-8"?>
+<file path=ppt/slides/slide26.xml><?xml version="1.0" encoding="utf-8"?>
 <p:sld xmlns:a="http://schemas.openxmlformats.org/drawingml/2006/main" xmlns:r="http://schemas.openxmlformats.org/officeDocument/2006/relationships" xmlns:p="http://schemas.openxmlformats.org/presentationml/2006/main">
   <p:cSld>
     <p:spTree>
@@ -25024,7 +24967,7 @@
 </p:sld>
 </file>
 
-<file path=ppt/slides/slide26.xml><?xml version="1.0" encoding="utf-8"?>
+<file path=ppt/slides/slide27.xml><?xml version="1.0" encoding="utf-8"?>
 <p:sld xmlns:a="http://schemas.openxmlformats.org/drawingml/2006/main" xmlns:r="http://schemas.openxmlformats.org/officeDocument/2006/relationships" xmlns:p="http://schemas.openxmlformats.org/presentationml/2006/main">
   <p:cSld>
     <p:spTree>
@@ -25694,7 +25637,7 @@
 </p:sld>
 </file>
 
-<file path=ppt/slides/slide27.xml><?xml version="1.0" encoding="utf-8"?>
+<file path=ppt/slides/slide28.xml><?xml version="1.0" encoding="utf-8"?>
 <p:sld xmlns:a="http://schemas.openxmlformats.org/drawingml/2006/main" xmlns:r="http://schemas.openxmlformats.org/officeDocument/2006/relationships" xmlns:p="http://schemas.openxmlformats.org/presentationml/2006/main">
   <p:cSld>
     <p:spTree>
@@ -26523,7 +26466,7 @@
 </p:sld>
 </file>
 
-<file path=ppt/slides/slide28.xml><?xml version="1.0" encoding="utf-8"?>
+<file path=ppt/slides/slide29.xml><?xml version="1.0" encoding="utf-8"?>
 <p:sld xmlns:a="http://schemas.openxmlformats.org/drawingml/2006/main" xmlns:r="http://schemas.openxmlformats.org/officeDocument/2006/relationships" xmlns:p="http://schemas.openxmlformats.org/presentationml/2006/main">
   <p:cSld>
     <p:spTree>
@@ -27186,7 +27129,156 @@
 </p:sld>
 </file>
 
-<file path=ppt/slides/slide29.xml><?xml version="1.0" encoding="utf-8"?>
+<file path=ppt/slides/slide3.xml><?xml version="1.0" encoding="utf-8"?>
+<p:sld xmlns:a="http://schemas.openxmlformats.org/drawingml/2006/main" xmlns:r="http://schemas.openxmlformats.org/officeDocument/2006/relationships" xmlns:p="http://schemas.openxmlformats.org/presentationml/2006/main">
+  <p:cSld>
+    <p:spTree>
+      <p:nvGrpSpPr>
+        <p:cNvPr id="1" name="">
+          <a:extLst>
+            <a:ext uri="{FF2B5EF4-FFF2-40B4-BE49-F238E27FC236}">
+              <a16:creationId xmlns:a16="http://schemas.microsoft.com/office/drawing/2014/main" id="{9EF6BAB4-57CF-B7EE-E47A-CABE1FD5A418}"/>
+            </a:ext>
+          </a:extLst>
+        </p:cNvPr>
+        <p:cNvGrpSpPr/>
+        <p:nvPr/>
+      </p:nvGrpSpPr>
+      <p:grpSpPr>
+        <a:xfrm>
+          <a:off x="0" y="0"/>
+          <a:ext cx="0" cy="0"/>
+          <a:chOff x="0" y="0"/>
+          <a:chExt cx="0" cy="0"/>
+        </a:xfrm>
+      </p:grpSpPr>
+      <p:sp>
+        <p:nvSpPr>
+          <p:cNvPr id="2" name="Title 1">
+            <a:extLst>
+              <a:ext uri="{FF2B5EF4-FFF2-40B4-BE49-F238E27FC236}">
+                <a16:creationId xmlns:a16="http://schemas.microsoft.com/office/drawing/2014/main" id="{47452423-A638-F099-0452-61A94E55C1B1}"/>
+              </a:ext>
+            </a:extLst>
+          </p:cNvPr>
+          <p:cNvSpPr>
+            <a:spLocks noGrp="1"/>
+          </p:cNvSpPr>
+          <p:nvPr>
+            <p:ph type="title"/>
+          </p:nvPr>
+        </p:nvSpPr>
+        <p:spPr/>
+        <p:txBody>
+          <a:bodyPr/>
+          <a:lstStyle/>
+          <a:p>
+            <a:r>
+              <a:rPr lang="en-US" dirty="0">
+                <a:latin typeface="Yu Gothic" panose="020B0400000000000000" pitchFamily="34" charset="-128"/>
+                <a:ea typeface="Yu Gothic" panose="020B0400000000000000" pitchFamily="34" charset="-128"/>
+              </a:rPr>
+              <a:t>I’m funded by the Dissertation Year Award</a:t>
+            </a:r>
+          </a:p>
+        </p:txBody>
+      </p:sp>
+      <p:pic>
+        <p:nvPicPr>
+          <p:cNvPr id="5" name="Picture 4">
+            <a:extLst>
+              <a:ext uri="{FF2B5EF4-FFF2-40B4-BE49-F238E27FC236}">
+                <a16:creationId xmlns:a16="http://schemas.microsoft.com/office/drawing/2014/main" id="{C55A5F19-DE63-EB2E-984D-49184B760E0E}"/>
+              </a:ext>
+            </a:extLst>
+          </p:cNvPr>
+          <p:cNvPicPr>
+            <a:picLocks noChangeAspect="1"/>
+          </p:cNvPicPr>
+          <p:nvPr/>
+        </p:nvPicPr>
+        <p:blipFill>
+          <a:blip r:embed="rId3"/>
+          <a:stretch>
+            <a:fillRect/>
+          </a:stretch>
+        </p:blipFill>
+        <p:spPr>
+          <a:xfrm>
+            <a:off x="701675" y="2514600"/>
+            <a:ext cx="11601450" cy="6468786"/>
+          </a:xfrm>
+          <a:prstGeom prst="rect">
+            <a:avLst/>
+          </a:prstGeom>
+        </p:spPr>
+      </p:pic>
+      <p:sp>
+        <p:nvSpPr>
+          <p:cNvPr id="6" name="Rectangle 5">
+            <a:extLst>
+              <a:ext uri="{FF2B5EF4-FFF2-40B4-BE49-F238E27FC236}">
+                <a16:creationId xmlns:a16="http://schemas.microsoft.com/office/drawing/2014/main" id="{9587FB5B-9CCA-C2F6-5321-D87B8BAD8409}"/>
+              </a:ext>
+            </a:extLst>
+          </p:cNvPr>
+          <p:cNvSpPr/>
+          <p:nvPr/>
+        </p:nvSpPr>
+        <p:spPr>
+          <a:xfrm>
+            <a:off x="939800" y="3962400"/>
+            <a:ext cx="11252200" cy="1543050"/>
+          </a:xfrm>
+          <a:prstGeom prst="rect">
+            <a:avLst/>
+          </a:prstGeom>
+          <a:noFill/>
+          <a:ln w="76200">
+            <a:solidFill>
+              <a:srgbClr val="FF0000"/>
+            </a:solidFill>
+          </a:ln>
+        </p:spPr>
+        <p:style>
+          <a:lnRef idx="2">
+            <a:schemeClr val="accent1">
+              <a:shade val="15000"/>
+            </a:schemeClr>
+          </a:lnRef>
+          <a:fillRef idx="1">
+            <a:schemeClr val="accent1"/>
+          </a:fillRef>
+          <a:effectRef idx="0">
+            <a:schemeClr val="accent1"/>
+          </a:effectRef>
+          <a:fontRef idx="minor">
+            <a:schemeClr val="lt1"/>
+          </a:fontRef>
+        </p:style>
+        <p:txBody>
+          <a:bodyPr rtlCol="0" anchor="ctr"/>
+          <a:lstStyle/>
+          <a:p>
+            <a:pPr algn="ctr"/>
+            <a:endParaRPr lang="en-US"/>
+          </a:p>
+        </p:txBody>
+      </p:sp>
+    </p:spTree>
+    <p:extLst>
+      <p:ext uri="{BB962C8B-B14F-4D97-AF65-F5344CB8AC3E}">
+        <p14:creationId xmlns:p14="http://schemas.microsoft.com/office/powerpoint/2010/main" val="2121090483"/>
+      </p:ext>
+    </p:extLst>
+  </p:cSld>
+  <p:clrMapOvr>
+    <a:masterClrMapping/>
+  </p:clrMapOvr>
+</p:sld>
+</file>
+
+<file path=ppt/slides/slide30.xml><?xml version="1.0" encoding="utf-8"?>
 <p:sld xmlns:a="http://schemas.openxmlformats.org/drawingml/2006/main" xmlns:r="http://schemas.openxmlformats.org/officeDocument/2006/relationships" xmlns:p="http://schemas.openxmlformats.org/presentationml/2006/main">
   <p:cSld>
     <p:spTree>
@@ -27896,156 +27988,7 @@
 </p:sld>
 </file>
 
-<file path=ppt/slides/slide3.xml><?xml version="1.0" encoding="utf-8"?>
-<p:sld xmlns:a="http://schemas.openxmlformats.org/drawingml/2006/main" xmlns:r="http://schemas.openxmlformats.org/officeDocument/2006/relationships" xmlns:p="http://schemas.openxmlformats.org/presentationml/2006/main">
-  <p:cSld>
-    <p:spTree>
-      <p:nvGrpSpPr>
-        <p:cNvPr id="1" name="">
-          <a:extLst>
-            <a:ext uri="{FF2B5EF4-FFF2-40B4-BE49-F238E27FC236}">
-              <a16:creationId xmlns:a16="http://schemas.microsoft.com/office/drawing/2014/main" id="{9EF6BAB4-57CF-B7EE-E47A-CABE1FD5A418}"/>
-            </a:ext>
-          </a:extLst>
-        </p:cNvPr>
-        <p:cNvGrpSpPr/>
-        <p:nvPr/>
-      </p:nvGrpSpPr>
-      <p:grpSpPr>
-        <a:xfrm>
-          <a:off x="0" y="0"/>
-          <a:ext cx="0" cy="0"/>
-          <a:chOff x="0" y="0"/>
-          <a:chExt cx="0" cy="0"/>
-        </a:xfrm>
-      </p:grpSpPr>
-      <p:sp>
-        <p:nvSpPr>
-          <p:cNvPr id="2" name="Title 1">
-            <a:extLst>
-              <a:ext uri="{FF2B5EF4-FFF2-40B4-BE49-F238E27FC236}">
-                <a16:creationId xmlns:a16="http://schemas.microsoft.com/office/drawing/2014/main" id="{47452423-A638-F099-0452-61A94E55C1B1}"/>
-              </a:ext>
-            </a:extLst>
-          </p:cNvPr>
-          <p:cNvSpPr>
-            <a:spLocks noGrp="1"/>
-          </p:cNvSpPr>
-          <p:nvPr>
-            <p:ph type="title"/>
-          </p:nvPr>
-        </p:nvSpPr>
-        <p:spPr/>
-        <p:txBody>
-          <a:bodyPr/>
-          <a:lstStyle/>
-          <a:p>
-            <a:r>
-              <a:rPr lang="en-US" dirty="0">
-                <a:latin typeface="Yu Gothic" panose="020B0400000000000000" pitchFamily="34" charset="-128"/>
-                <a:ea typeface="Yu Gothic" panose="020B0400000000000000" pitchFamily="34" charset="-128"/>
-              </a:rPr>
-              <a:t>I’m funded by the Dissertation Year Award</a:t>
-            </a:r>
-          </a:p>
-        </p:txBody>
-      </p:sp>
-      <p:pic>
-        <p:nvPicPr>
-          <p:cNvPr id="5" name="Picture 4">
-            <a:extLst>
-              <a:ext uri="{FF2B5EF4-FFF2-40B4-BE49-F238E27FC236}">
-                <a16:creationId xmlns:a16="http://schemas.microsoft.com/office/drawing/2014/main" id="{C55A5F19-DE63-EB2E-984D-49184B760E0E}"/>
-              </a:ext>
-            </a:extLst>
-          </p:cNvPr>
-          <p:cNvPicPr>
-            <a:picLocks noChangeAspect="1"/>
-          </p:cNvPicPr>
-          <p:nvPr/>
-        </p:nvPicPr>
-        <p:blipFill>
-          <a:blip r:embed="rId3"/>
-          <a:stretch>
-            <a:fillRect/>
-          </a:stretch>
-        </p:blipFill>
-        <p:spPr>
-          <a:xfrm>
-            <a:off x="701675" y="2514600"/>
-            <a:ext cx="11601450" cy="6468786"/>
-          </a:xfrm>
-          <a:prstGeom prst="rect">
-            <a:avLst/>
-          </a:prstGeom>
-        </p:spPr>
-      </p:pic>
-      <p:sp>
-        <p:nvSpPr>
-          <p:cNvPr id="6" name="Rectangle 5">
-            <a:extLst>
-              <a:ext uri="{FF2B5EF4-FFF2-40B4-BE49-F238E27FC236}">
-                <a16:creationId xmlns:a16="http://schemas.microsoft.com/office/drawing/2014/main" id="{9587FB5B-9CCA-C2F6-5321-D87B8BAD8409}"/>
-              </a:ext>
-            </a:extLst>
-          </p:cNvPr>
-          <p:cNvSpPr/>
-          <p:nvPr/>
-        </p:nvSpPr>
-        <p:spPr>
-          <a:xfrm>
-            <a:off x="939800" y="3962400"/>
-            <a:ext cx="11252200" cy="1543050"/>
-          </a:xfrm>
-          <a:prstGeom prst="rect">
-            <a:avLst/>
-          </a:prstGeom>
-          <a:noFill/>
-          <a:ln w="76200">
-            <a:solidFill>
-              <a:srgbClr val="FF0000"/>
-            </a:solidFill>
-          </a:ln>
-        </p:spPr>
-        <p:style>
-          <a:lnRef idx="2">
-            <a:schemeClr val="accent1">
-              <a:shade val="15000"/>
-            </a:schemeClr>
-          </a:lnRef>
-          <a:fillRef idx="1">
-            <a:schemeClr val="accent1"/>
-          </a:fillRef>
-          <a:effectRef idx="0">
-            <a:schemeClr val="accent1"/>
-          </a:effectRef>
-          <a:fontRef idx="minor">
-            <a:schemeClr val="lt1"/>
-          </a:fontRef>
-        </p:style>
-        <p:txBody>
-          <a:bodyPr rtlCol="0" anchor="ctr"/>
-          <a:lstStyle/>
-          <a:p>
-            <a:pPr algn="ctr"/>
-            <a:endParaRPr lang="en-US"/>
-          </a:p>
-        </p:txBody>
-      </p:sp>
-    </p:spTree>
-    <p:extLst>
-      <p:ext uri="{BB962C8B-B14F-4D97-AF65-F5344CB8AC3E}">
-        <p14:creationId xmlns:p14="http://schemas.microsoft.com/office/powerpoint/2010/main" val="2121090483"/>
-      </p:ext>
-    </p:extLst>
-  </p:cSld>
-  <p:clrMapOvr>
-    <a:masterClrMapping/>
-  </p:clrMapOvr>
-</p:sld>
-</file>
-
-<file path=ppt/slides/slide30.xml><?xml version="1.0" encoding="utf-8"?>
+<file path=ppt/slides/slide31.xml><?xml version="1.0" encoding="utf-8"?>
 <p:sld xmlns:a="http://schemas.openxmlformats.org/drawingml/2006/main" xmlns:r="http://schemas.openxmlformats.org/officeDocument/2006/relationships" xmlns:p="http://schemas.openxmlformats.org/presentationml/2006/main">
   <p:cSld>
     <p:spTree>
@@ -28755,7 +28698,7 @@
 </p:sld>
 </file>
 
-<file path=ppt/slides/slide31.xml><?xml version="1.0" encoding="utf-8"?>
+<file path=ppt/slides/slide32.xml><?xml version="1.0" encoding="utf-8"?>
 <p:sld xmlns:a="http://schemas.openxmlformats.org/drawingml/2006/main" xmlns:r="http://schemas.openxmlformats.org/officeDocument/2006/relationships" xmlns:p="http://schemas.openxmlformats.org/presentationml/2006/main">
   <p:cSld>
     <p:spTree>
@@ -29465,7 +29408,7 @@
 </p:sld>
 </file>
 
-<file path=ppt/slides/slide32.xml><?xml version="1.0" encoding="utf-8"?>
+<file path=ppt/slides/slide33.xml><?xml version="1.0" encoding="utf-8"?>
 <p:sld xmlns:a="http://schemas.openxmlformats.org/drawingml/2006/main" xmlns:r="http://schemas.openxmlformats.org/officeDocument/2006/relationships" xmlns:p="http://schemas.openxmlformats.org/presentationml/2006/main">
   <p:cSld>
     <p:spTree>
@@ -30222,7 +30165,7 @@
 </p:sld>
 </file>
 
-<file path=ppt/slides/slide33.xml><?xml version="1.0" encoding="utf-8"?>
+<file path=ppt/slides/slide34.xml><?xml version="1.0" encoding="utf-8"?>
 <p:sld xmlns:a="http://schemas.openxmlformats.org/drawingml/2006/main" xmlns:r="http://schemas.openxmlformats.org/officeDocument/2006/relationships" xmlns:p="http://schemas.openxmlformats.org/presentationml/2006/main">
   <p:cSld>
     <p:spTree>
@@ -30627,7 +30570,7 @@
 </p:sld>
 </file>
 
-<file path=ppt/slides/slide34.xml><?xml version="1.0" encoding="utf-8"?>
+<file path=ppt/slides/slide35.xml><?xml version="1.0" encoding="utf-8"?>
 <p:sld xmlns:a="http://schemas.openxmlformats.org/drawingml/2006/main" xmlns:r="http://schemas.openxmlformats.org/officeDocument/2006/relationships" xmlns:p="http://schemas.openxmlformats.org/presentationml/2006/main">
   <p:cSld>
     <p:spTree>
@@ -31193,7 +31136,7 @@
 </p:sld>
 </file>
 
-<file path=ppt/slides/slide35.xml><?xml version="1.0" encoding="utf-8"?>
+<file path=ppt/slides/slide36.xml><?xml version="1.0" encoding="utf-8"?>
 <p:sld xmlns:a="http://schemas.openxmlformats.org/drawingml/2006/main" xmlns:r="http://schemas.openxmlformats.org/officeDocument/2006/relationships" xmlns:p="http://schemas.openxmlformats.org/presentationml/2006/main">
   <p:cSld>
     <p:spTree>
@@ -31347,7 +31290,7 @@
 </p:sld>
 </file>
 
-<file path=ppt/slides/slide36.xml><?xml version="1.0" encoding="utf-8"?>
+<file path=ppt/slides/slide37.xml><?xml version="1.0" encoding="utf-8"?>
 <p:sld xmlns:a="http://schemas.openxmlformats.org/drawingml/2006/main" xmlns:r="http://schemas.openxmlformats.org/officeDocument/2006/relationships" xmlns:p="http://schemas.openxmlformats.org/presentationml/2006/main">
   <p:cSld>
     <p:spTree>
@@ -31518,7 +31461,7 @@
 </p:sld>
 </file>
 
-<file path=ppt/slides/slide37.xml><?xml version="1.0" encoding="utf-8"?>
+<file path=ppt/slides/slide38.xml><?xml version="1.0" encoding="utf-8"?>
 <p:sld xmlns:a="http://schemas.openxmlformats.org/drawingml/2006/main" xmlns:r="http://schemas.openxmlformats.org/officeDocument/2006/relationships" xmlns:p="http://schemas.openxmlformats.org/presentationml/2006/main">
   <p:cSld>
     <p:spTree>
@@ -31689,7 +31632,7 @@
 </p:sld>
 </file>
 
-<file path=ppt/slides/slide38.xml><?xml version="1.0" encoding="utf-8"?>
+<file path=ppt/slides/slide39.xml><?xml version="1.0" encoding="utf-8"?>
 <p:sld xmlns:a="http://schemas.openxmlformats.org/drawingml/2006/main" xmlns:r="http://schemas.openxmlformats.org/officeDocument/2006/relationships" xmlns:p="http://schemas.openxmlformats.org/presentationml/2006/main">
   <p:cSld>
     <p:spTree>
@@ -31851,374 +31794,6 @@
     <p:extLst>
       <p:ext uri="{BB962C8B-B14F-4D97-AF65-F5344CB8AC3E}">
         <p14:creationId xmlns:p14="http://schemas.microsoft.com/office/powerpoint/2010/main" val="4030106359"/>
-      </p:ext>
-    </p:extLst>
-  </p:cSld>
-  <p:clrMapOvr>
-    <a:masterClrMapping/>
-  </p:clrMapOvr>
-</p:sld>
-</file>
-
-<file path=ppt/slides/slide39.xml><?xml version="1.0" encoding="utf-8"?>
-<p:sld xmlns:a="http://schemas.openxmlformats.org/drawingml/2006/main" xmlns:r="http://schemas.openxmlformats.org/officeDocument/2006/relationships" xmlns:p="http://schemas.openxmlformats.org/presentationml/2006/main">
-  <p:cSld>
-    <p:spTree>
-      <p:nvGrpSpPr>
-        <p:cNvPr id="1" name="">
-          <a:extLst>
-            <a:ext uri="{FF2B5EF4-FFF2-40B4-BE49-F238E27FC236}">
-              <a16:creationId xmlns:a16="http://schemas.microsoft.com/office/drawing/2014/main" id="{350B504D-B626-2F44-C157-DA2F15884F0D}"/>
-            </a:ext>
-          </a:extLst>
-        </p:cNvPr>
-        <p:cNvGrpSpPr/>
-        <p:nvPr/>
-      </p:nvGrpSpPr>
-      <p:grpSpPr>
-        <a:xfrm>
-          <a:off x="0" y="0"/>
-          <a:ext cx="0" cy="0"/>
-          <a:chOff x="0" y="0"/>
-          <a:chExt cx="0" cy="0"/>
-        </a:xfrm>
-      </p:grpSpPr>
-      <p:sp>
-        <p:nvSpPr>
-          <p:cNvPr id="2" name="Title 1">
-            <a:extLst>
-              <a:ext uri="{FF2B5EF4-FFF2-40B4-BE49-F238E27FC236}">
-                <a16:creationId xmlns:a16="http://schemas.microsoft.com/office/drawing/2014/main" id="{9AD96954-5F75-3061-57C8-8C39CF5F3F32}"/>
-              </a:ext>
-            </a:extLst>
-          </p:cNvPr>
-          <p:cNvSpPr>
-            <a:spLocks noGrp="1"/>
-          </p:cNvSpPr>
-          <p:nvPr>
-            <p:ph type="title"/>
-          </p:nvPr>
-        </p:nvSpPr>
-        <p:spPr>
-          <a:xfrm>
-            <a:off x="463550" y="965200"/>
-            <a:ext cx="12077700" cy="1415772"/>
-          </a:xfrm>
-        </p:spPr>
-        <p:txBody>
-          <a:bodyPr/>
-          <a:lstStyle/>
-          <a:p>
-            <a:r>
-              <a:rPr lang="en-US" dirty="0">
-                <a:latin typeface="Yu Gothic" panose="020B0400000000000000" pitchFamily="34" charset="-128"/>
-                <a:ea typeface="Yu Gothic" panose="020B0400000000000000" pitchFamily="34" charset="-128"/>
-              </a:rPr>
-              <a:t>Additional coalescent tree analysis (I’m curious about your opinions!)</a:t>
-            </a:r>
-          </a:p>
-        </p:txBody>
-      </p:sp>
-      <p:pic>
-        <p:nvPicPr>
-          <p:cNvPr id="12290" name="Picture 2">
-            <a:extLst>
-              <a:ext uri="{FF2B5EF4-FFF2-40B4-BE49-F238E27FC236}">
-                <a16:creationId xmlns:a16="http://schemas.microsoft.com/office/drawing/2014/main" id="{FB465601-BADB-EFAF-40F8-9BD3B11E73CE}"/>
-              </a:ext>
-            </a:extLst>
-          </p:cNvPr>
-          <p:cNvPicPr>
-            <a:picLocks noChangeAspect="1" noChangeArrowheads="1"/>
-          </p:cNvPicPr>
-          <p:nvPr/>
-        </p:nvPicPr>
-        <p:blipFill rotWithShape="1">
-          <a:blip r:embed="rId3">
-            <a:extLst>
-              <a:ext uri="{28A0092B-C50C-407E-A947-70E740481C1C}">
-                <a14:useLocalDpi xmlns:a14="http://schemas.microsoft.com/office/drawing/2010/main" val="0"/>
-              </a:ext>
-            </a:extLst>
-          </a:blip>
-          <a:srcRect t="49508"/>
-          <a:stretch>
-            <a:fillRect/>
-          </a:stretch>
-        </p:blipFill>
-        <p:spPr bwMode="auto">
-          <a:xfrm>
-            <a:off x="6350" y="6172200"/>
-            <a:ext cx="13004800" cy="3581400"/>
-          </a:xfrm>
-          <a:prstGeom prst="rect">
-            <a:avLst/>
-          </a:prstGeom>
-          <a:noFill/>
-          <a:extLst>
-            <a:ext uri="{909E8E84-426E-40DD-AFC4-6F175D3DCCD1}">
-              <a14:hiddenFill xmlns:a14="http://schemas.microsoft.com/office/drawing/2010/main">
-                <a:solidFill>
-                  <a:srgbClr val="FFFFFF"/>
-                </a:solidFill>
-              </a14:hiddenFill>
-            </a:ext>
-          </a:extLst>
-        </p:spPr>
-      </p:pic>
-      <p:sp>
-        <p:nvSpPr>
-          <p:cNvPr id="3" name="Rectangle 2">
-            <a:extLst>
-              <a:ext uri="{FF2B5EF4-FFF2-40B4-BE49-F238E27FC236}">
-                <a16:creationId xmlns:a16="http://schemas.microsoft.com/office/drawing/2014/main" id="{6479AFC2-4FE8-B782-07A8-9EECE7FED482}"/>
-              </a:ext>
-            </a:extLst>
-          </p:cNvPr>
-          <p:cNvSpPr/>
-          <p:nvPr/>
-        </p:nvSpPr>
-        <p:spPr>
-          <a:xfrm>
-            <a:off x="787400" y="6477000"/>
-            <a:ext cx="1143000" cy="2819400"/>
-          </a:xfrm>
-          <a:prstGeom prst="rect">
-            <a:avLst/>
-          </a:prstGeom>
-          <a:noFill/>
-          <a:ln w="76200">
-            <a:solidFill>
-              <a:srgbClr val="FFC000"/>
-            </a:solidFill>
-          </a:ln>
-        </p:spPr>
-        <p:style>
-          <a:lnRef idx="2">
-            <a:schemeClr val="accent1">
-              <a:shade val="15000"/>
-            </a:schemeClr>
-          </a:lnRef>
-          <a:fillRef idx="1">
-            <a:schemeClr val="accent1"/>
-          </a:fillRef>
-          <a:effectRef idx="0">
-            <a:schemeClr val="accent1"/>
-          </a:effectRef>
-          <a:fontRef idx="minor">
-            <a:schemeClr val="lt1"/>
-          </a:fontRef>
-        </p:style>
-        <p:txBody>
-          <a:bodyPr rtlCol="0" anchor="ctr"/>
-          <a:lstStyle/>
-          <a:p>
-            <a:pPr algn="ctr"/>
-            <a:endParaRPr lang="en-US"/>
-          </a:p>
-        </p:txBody>
-      </p:sp>
-      <p:pic>
-        <p:nvPicPr>
-          <p:cNvPr id="4" name="Picture 2">
-            <a:extLst>
-              <a:ext uri="{FF2B5EF4-FFF2-40B4-BE49-F238E27FC236}">
-                <a16:creationId xmlns:a16="http://schemas.microsoft.com/office/drawing/2014/main" id="{9FEA3F8C-849E-AB53-D527-38F5EDE36858}"/>
-              </a:ext>
-            </a:extLst>
-          </p:cNvPr>
-          <p:cNvPicPr>
-            <a:picLocks noChangeAspect="1" noChangeArrowheads="1"/>
-          </p:cNvPicPr>
-          <p:nvPr/>
-        </p:nvPicPr>
-        <p:blipFill rotWithShape="1">
-          <a:blip r:embed="rId3">
-            <a:extLst>
-              <a:ext uri="{28A0092B-C50C-407E-A947-70E740481C1C}">
-                <a14:useLocalDpi xmlns:a14="http://schemas.microsoft.com/office/drawing/2010/main" val="0"/>
-              </a:ext>
-            </a:extLst>
-          </a:blip>
-          <a:srcRect l="85547" t="10832" b="60162"/>
-          <a:stretch>
-            <a:fillRect/>
-          </a:stretch>
-        </p:blipFill>
-        <p:spPr bwMode="auto">
-          <a:xfrm>
-            <a:off x="11131550" y="6692622"/>
-            <a:ext cx="1879600" cy="2057400"/>
-          </a:xfrm>
-          <a:prstGeom prst="rect">
-            <a:avLst/>
-          </a:prstGeom>
-          <a:noFill/>
-          <a:extLst>
-            <a:ext uri="{909E8E84-426E-40DD-AFC4-6F175D3DCCD1}">
-              <a14:hiddenFill xmlns:a14="http://schemas.microsoft.com/office/drawing/2010/main">
-                <a:solidFill>
-                  <a:srgbClr val="FFFFFF"/>
-                </a:solidFill>
-              </a14:hiddenFill>
-            </a:ext>
-          </a:extLst>
-        </p:spPr>
-      </p:pic>
-      <p:pic>
-        <p:nvPicPr>
-          <p:cNvPr id="6" name="Picture 5">
-            <a:extLst>
-              <a:ext uri="{FF2B5EF4-FFF2-40B4-BE49-F238E27FC236}">
-                <a16:creationId xmlns:a16="http://schemas.microsoft.com/office/drawing/2014/main" id="{86711506-A4B4-05B4-E8F7-D9FC3AC0DEAF}"/>
-              </a:ext>
-            </a:extLst>
-          </p:cNvPr>
-          <p:cNvPicPr>
-            <a:picLocks noChangeAspect="1"/>
-          </p:cNvPicPr>
-          <p:nvPr/>
-        </p:nvPicPr>
-        <p:blipFill>
-          <a:blip r:embed="rId4"/>
-          <a:stretch>
-            <a:fillRect/>
-          </a:stretch>
-        </p:blipFill>
-        <p:spPr>
-          <a:xfrm>
-            <a:off x="647705" y="2944929"/>
-            <a:ext cx="11410945" cy="685800"/>
-          </a:xfrm>
-          <a:prstGeom prst="rect">
-            <a:avLst/>
-          </a:prstGeom>
-        </p:spPr>
-      </p:pic>
-      <p:sp>
-        <p:nvSpPr>
-          <p:cNvPr id="7" name="TextBox 6">
-            <a:extLst>
-              <a:ext uri="{FF2B5EF4-FFF2-40B4-BE49-F238E27FC236}">
-                <a16:creationId xmlns:a16="http://schemas.microsoft.com/office/drawing/2014/main" id="{291FD428-5256-2C5D-550B-BDA86C335924}"/>
-              </a:ext>
-            </a:extLst>
-          </p:cNvPr>
-          <p:cNvSpPr txBox="1"/>
-          <p:nvPr/>
-        </p:nvSpPr>
-        <p:spPr>
-          <a:xfrm>
-            <a:off x="196181" y="2385427"/>
-            <a:ext cx="3581430" cy="523220"/>
-          </a:xfrm>
-          <a:prstGeom prst="rect">
-            <a:avLst/>
-          </a:prstGeom>
-          <a:noFill/>
-        </p:spPr>
-        <p:txBody>
-          <a:bodyPr wrap="none" rtlCol="0">
-            <a:spAutoFit/>
-          </a:bodyPr>
-          <a:lstStyle/>
-          <a:p>
-            <a:r>
-              <a:rPr lang="en-US" sz="2800" dirty="0">
-                <a:latin typeface="Yu Gothic" panose="020B0400000000000000" pitchFamily="34" charset="-128"/>
-                <a:ea typeface="Yu Gothic" panose="020B0400000000000000" pitchFamily="34" charset="-128"/>
-              </a:rPr>
-              <a:t>One-epoch model fit</a:t>
-            </a:r>
-          </a:p>
-        </p:txBody>
-      </p:sp>
-      <p:sp>
-        <p:nvSpPr>
-          <p:cNvPr id="16" name="TextBox 15">
-            <a:extLst>
-              <a:ext uri="{FF2B5EF4-FFF2-40B4-BE49-F238E27FC236}">
-                <a16:creationId xmlns:a16="http://schemas.microsoft.com/office/drawing/2014/main" id="{14655CE9-0AF6-CB0D-17CC-7D54D1CF35C4}"/>
-              </a:ext>
-            </a:extLst>
-          </p:cNvPr>
-          <p:cNvSpPr txBox="1"/>
-          <p:nvPr/>
-        </p:nvSpPr>
-        <p:spPr>
-          <a:xfrm>
-            <a:off x="4373229" y="2232165"/>
-            <a:ext cx="2135521" cy="400110"/>
-          </a:xfrm>
-          <a:prstGeom prst="rect">
-            <a:avLst/>
-          </a:prstGeom>
-          <a:noFill/>
-        </p:spPr>
-        <p:txBody>
-          <a:bodyPr wrap="none" rtlCol="0">
-            <a:spAutoFit/>
-          </a:bodyPr>
-          <a:lstStyle/>
-          <a:p>
-            <a:r>
-              <a:rPr lang="en-US" sz="2000" dirty="0">
-                <a:latin typeface="Yu Gothic" panose="020B0400000000000000" pitchFamily="34" charset="-128"/>
-                <a:ea typeface="Yu Gothic" panose="020B0400000000000000" pitchFamily="34" charset="-128"/>
-              </a:rPr>
-              <a:t>Dummy-variable</a:t>
-            </a:r>
-          </a:p>
-        </p:txBody>
-      </p:sp>
-      <p:sp>
-        <p:nvSpPr>
-          <p:cNvPr id="17" name="Left Brace 16">
-            <a:extLst>
-              <a:ext uri="{FF2B5EF4-FFF2-40B4-BE49-F238E27FC236}">
-                <a16:creationId xmlns:a16="http://schemas.microsoft.com/office/drawing/2014/main" id="{1080EF2B-0ACA-DA97-31CE-4D4DE61A70BB}"/>
-              </a:ext>
-            </a:extLst>
-          </p:cNvPr>
-          <p:cNvSpPr/>
-          <p:nvPr/>
-        </p:nvSpPr>
-        <p:spPr>
-          <a:xfrm rot="5400000">
-            <a:off x="5218986" y="1795608"/>
-            <a:ext cx="166876" cy="1752600"/>
-          </a:xfrm>
-          <a:prstGeom prst="leftBrace">
-            <a:avLst/>
-          </a:prstGeom>
-        </p:spPr>
-        <p:style>
-          <a:lnRef idx="1">
-            <a:schemeClr val="dk1"/>
-          </a:lnRef>
-          <a:fillRef idx="0">
-            <a:schemeClr val="dk1"/>
-          </a:fillRef>
-          <a:effectRef idx="0">
-            <a:schemeClr val="dk1"/>
-          </a:effectRef>
-          <a:fontRef idx="minor">
-            <a:schemeClr val="tx1"/>
-          </a:fontRef>
-        </p:style>
-        <p:txBody>
-          <a:bodyPr rtlCol="0" anchor="ctr"/>
-          <a:lstStyle/>
-          <a:p>
-            <a:pPr algn="ctr"/>
-            <a:endParaRPr lang="en-US" dirty="0"/>
-          </a:p>
-        </p:txBody>
-      </p:sp>
-    </p:spTree>
-    <p:extLst>
-      <p:ext uri="{BB962C8B-B14F-4D97-AF65-F5344CB8AC3E}">
-        <p14:creationId xmlns:p14="http://schemas.microsoft.com/office/powerpoint/2010/main" val="3402187243"/>
       </p:ext>
     </p:extLst>
   </p:cSld>
@@ -32333,7 +31908,7 @@
         <p:cNvPr id="1" name="">
           <a:extLst>
             <a:ext uri="{FF2B5EF4-FFF2-40B4-BE49-F238E27FC236}">
-              <a16:creationId xmlns:a16="http://schemas.microsoft.com/office/drawing/2014/main" id="{AF0A216A-58C1-C07C-E2B9-57C28463BD91}"/>
+              <a16:creationId xmlns:a16="http://schemas.microsoft.com/office/drawing/2014/main" id="{350B504D-B626-2F44-C157-DA2F15884F0D}"/>
             </a:ext>
           </a:extLst>
         </p:cNvPr>
@@ -32353,7 +31928,7 @@
           <p:cNvPr id="2" name="Title 1">
             <a:extLst>
               <a:ext uri="{FF2B5EF4-FFF2-40B4-BE49-F238E27FC236}">
-                <a16:creationId xmlns:a16="http://schemas.microsoft.com/office/drawing/2014/main" id="{C40886B5-D6CB-35FD-7DB1-4744779CBF18}"/>
+                <a16:creationId xmlns:a16="http://schemas.microsoft.com/office/drawing/2014/main" id="{9AD96954-5F75-3061-57C8-8C39CF5F3F32}"/>
               </a:ext>
             </a:extLst>
           </p:cNvPr>
@@ -32389,7 +31964,7 @@
           <p:cNvPr id="12290" name="Picture 2">
             <a:extLst>
               <a:ext uri="{FF2B5EF4-FFF2-40B4-BE49-F238E27FC236}">
-                <a16:creationId xmlns:a16="http://schemas.microsoft.com/office/drawing/2014/main" id="{C17C50CC-7668-7CED-59F4-6C99A99DE111}"/>
+                <a16:creationId xmlns:a16="http://schemas.microsoft.com/office/drawing/2014/main" id="{FB465601-BADB-EFAF-40F8-9BD3B11E73CE}"/>
               </a:ext>
             </a:extLst>
           </p:cNvPr>
@@ -32436,7 +32011,7 @@
           <p:cNvPr id="3" name="Rectangle 2">
             <a:extLst>
               <a:ext uri="{FF2B5EF4-FFF2-40B4-BE49-F238E27FC236}">
-                <a16:creationId xmlns:a16="http://schemas.microsoft.com/office/drawing/2014/main" id="{02C62DF6-AB7D-0770-29C6-090E10DC1B90}"/>
+                <a16:creationId xmlns:a16="http://schemas.microsoft.com/office/drawing/2014/main" id="{6479AFC2-4FE8-B782-07A8-9EECE7FED482}"/>
               </a:ext>
             </a:extLst>
           </p:cNvPr>
@@ -32488,6 +32063,374 @@
           <p:cNvPr id="4" name="Picture 2">
             <a:extLst>
               <a:ext uri="{FF2B5EF4-FFF2-40B4-BE49-F238E27FC236}">
+                <a16:creationId xmlns:a16="http://schemas.microsoft.com/office/drawing/2014/main" id="{9FEA3F8C-849E-AB53-D527-38F5EDE36858}"/>
+              </a:ext>
+            </a:extLst>
+          </p:cNvPr>
+          <p:cNvPicPr>
+            <a:picLocks noChangeAspect="1" noChangeArrowheads="1"/>
+          </p:cNvPicPr>
+          <p:nvPr/>
+        </p:nvPicPr>
+        <p:blipFill rotWithShape="1">
+          <a:blip r:embed="rId3">
+            <a:extLst>
+              <a:ext uri="{28A0092B-C50C-407E-A947-70E740481C1C}">
+                <a14:useLocalDpi xmlns:a14="http://schemas.microsoft.com/office/drawing/2010/main" val="0"/>
+              </a:ext>
+            </a:extLst>
+          </a:blip>
+          <a:srcRect l="85547" t="10832" b="60162"/>
+          <a:stretch>
+            <a:fillRect/>
+          </a:stretch>
+        </p:blipFill>
+        <p:spPr bwMode="auto">
+          <a:xfrm>
+            <a:off x="11131550" y="6692622"/>
+            <a:ext cx="1879600" cy="2057400"/>
+          </a:xfrm>
+          <a:prstGeom prst="rect">
+            <a:avLst/>
+          </a:prstGeom>
+          <a:noFill/>
+          <a:extLst>
+            <a:ext uri="{909E8E84-426E-40DD-AFC4-6F175D3DCCD1}">
+              <a14:hiddenFill xmlns:a14="http://schemas.microsoft.com/office/drawing/2010/main">
+                <a:solidFill>
+                  <a:srgbClr val="FFFFFF"/>
+                </a:solidFill>
+              </a14:hiddenFill>
+            </a:ext>
+          </a:extLst>
+        </p:spPr>
+      </p:pic>
+      <p:pic>
+        <p:nvPicPr>
+          <p:cNvPr id="6" name="Picture 5">
+            <a:extLst>
+              <a:ext uri="{FF2B5EF4-FFF2-40B4-BE49-F238E27FC236}">
+                <a16:creationId xmlns:a16="http://schemas.microsoft.com/office/drawing/2014/main" id="{86711506-A4B4-05B4-E8F7-D9FC3AC0DEAF}"/>
+              </a:ext>
+            </a:extLst>
+          </p:cNvPr>
+          <p:cNvPicPr>
+            <a:picLocks noChangeAspect="1"/>
+          </p:cNvPicPr>
+          <p:nvPr/>
+        </p:nvPicPr>
+        <p:blipFill>
+          <a:blip r:embed="rId4"/>
+          <a:stretch>
+            <a:fillRect/>
+          </a:stretch>
+        </p:blipFill>
+        <p:spPr>
+          <a:xfrm>
+            <a:off x="647705" y="2944929"/>
+            <a:ext cx="11410945" cy="685800"/>
+          </a:xfrm>
+          <a:prstGeom prst="rect">
+            <a:avLst/>
+          </a:prstGeom>
+        </p:spPr>
+      </p:pic>
+      <p:sp>
+        <p:nvSpPr>
+          <p:cNvPr id="7" name="TextBox 6">
+            <a:extLst>
+              <a:ext uri="{FF2B5EF4-FFF2-40B4-BE49-F238E27FC236}">
+                <a16:creationId xmlns:a16="http://schemas.microsoft.com/office/drawing/2014/main" id="{291FD428-5256-2C5D-550B-BDA86C335924}"/>
+              </a:ext>
+            </a:extLst>
+          </p:cNvPr>
+          <p:cNvSpPr txBox="1"/>
+          <p:nvPr/>
+        </p:nvSpPr>
+        <p:spPr>
+          <a:xfrm>
+            <a:off x="196181" y="2385427"/>
+            <a:ext cx="3581430" cy="523220"/>
+          </a:xfrm>
+          <a:prstGeom prst="rect">
+            <a:avLst/>
+          </a:prstGeom>
+          <a:noFill/>
+        </p:spPr>
+        <p:txBody>
+          <a:bodyPr wrap="none" rtlCol="0">
+            <a:spAutoFit/>
+          </a:bodyPr>
+          <a:lstStyle/>
+          <a:p>
+            <a:r>
+              <a:rPr lang="en-US" sz="2800" dirty="0">
+                <a:latin typeface="Yu Gothic" panose="020B0400000000000000" pitchFamily="34" charset="-128"/>
+                <a:ea typeface="Yu Gothic" panose="020B0400000000000000" pitchFamily="34" charset="-128"/>
+              </a:rPr>
+              <a:t>One-epoch model fit</a:t>
+            </a:r>
+          </a:p>
+        </p:txBody>
+      </p:sp>
+      <p:sp>
+        <p:nvSpPr>
+          <p:cNvPr id="16" name="TextBox 15">
+            <a:extLst>
+              <a:ext uri="{FF2B5EF4-FFF2-40B4-BE49-F238E27FC236}">
+                <a16:creationId xmlns:a16="http://schemas.microsoft.com/office/drawing/2014/main" id="{14655CE9-0AF6-CB0D-17CC-7D54D1CF35C4}"/>
+              </a:ext>
+            </a:extLst>
+          </p:cNvPr>
+          <p:cNvSpPr txBox="1"/>
+          <p:nvPr/>
+        </p:nvSpPr>
+        <p:spPr>
+          <a:xfrm>
+            <a:off x="4373229" y="2232165"/>
+            <a:ext cx="2135521" cy="400110"/>
+          </a:xfrm>
+          <a:prstGeom prst="rect">
+            <a:avLst/>
+          </a:prstGeom>
+          <a:noFill/>
+        </p:spPr>
+        <p:txBody>
+          <a:bodyPr wrap="none" rtlCol="0">
+            <a:spAutoFit/>
+          </a:bodyPr>
+          <a:lstStyle/>
+          <a:p>
+            <a:r>
+              <a:rPr lang="en-US" sz="2000" dirty="0">
+                <a:latin typeface="Yu Gothic" panose="020B0400000000000000" pitchFamily="34" charset="-128"/>
+                <a:ea typeface="Yu Gothic" panose="020B0400000000000000" pitchFamily="34" charset="-128"/>
+              </a:rPr>
+              <a:t>Dummy-variable</a:t>
+            </a:r>
+          </a:p>
+        </p:txBody>
+      </p:sp>
+      <p:sp>
+        <p:nvSpPr>
+          <p:cNvPr id="17" name="Left Brace 16">
+            <a:extLst>
+              <a:ext uri="{FF2B5EF4-FFF2-40B4-BE49-F238E27FC236}">
+                <a16:creationId xmlns:a16="http://schemas.microsoft.com/office/drawing/2014/main" id="{1080EF2B-0ACA-DA97-31CE-4D4DE61A70BB}"/>
+              </a:ext>
+            </a:extLst>
+          </p:cNvPr>
+          <p:cNvSpPr/>
+          <p:nvPr/>
+        </p:nvSpPr>
+        <p:spPr>
+          <a:xfrm rot="5400000">
+            <a:off x="5218986" y="1795608"/>
+            <a:ext cx="166876" cy="1752600"/>
+          </a:xfrm>
+          <a:prstGeom prst="leftBrace">
+            <a:avLst/>
+          </a:prstGeom>
+        </p:spPr>
+        <p:style>
+          <a:lnRef idx="1">
+            <a:schemeClr val="dk1"/>
+          </a:lnRef>
+          <a:fillRef idx="0">
+            <a:schemeClr val="dk1"/>
+          </a:fillRef>
+          <a:effectRef idx="0">
+            <a:schemeClr val="dk1"/>
+          </a:effectRef>
+          <a:fontRef idx="minor">
+            <a:schemeClr val="tx1"/>
+          </a:fontRef>
+        </p:style>
+        <p:txBody>
+          <a:bodyPr rtlCol="0" anchor="ctr"/>
+          <a:lstStyle/>
+          <a:p>
+            <a:pPr algn="ctr"/>
+            <a:endParaRPr lang="en-US" dirty="0"/>
+          </a:p>
+        </p:txBody>
+      </p:sp>
+    </p:spTree>
+    <p:extLst>
+      <p:ext uri="{BB962C8B-B14F-4D97-AF65-F5344CB8AC3E}">
+        <p14:creationId xmlns:p14="http://schemas.microsoft.com/office/powerpoint/2010/main" val="3402187243"/>
+      </p:ext>
+    </p:extLst>
+  </p:cSld>
+  <p:clrMapOvr>
+    <a:masterClrMapping/>
+  </p:clrMapOvr>
+</p:sld>
+</file>
+
+<file path=ppt/slides/slide41.xml><?xml version="1.0" encoding="utf-8"?>
+<p:sld xmlns:a="http://schemas.openxmlformats.org/drawingml/2006/main" xmlns:r="http://schemas.openxmlformats.org/officeDocument/2006/relationships" xmlns:p="http://schemas.openxmlformats.org/presentationml/2006/main">
+  <p:cSld>
+    <p:spTree>
+      <p:nvGrpSpPr>
+        <p:cNvPr id="1" name="">
+          <a:extLst>
+            <a:ext uri="{FF2B5EF4-FFF2-40B4-BE49-F238E27FC236}">
+              <a16:creationId xmlns:a16="http://schemas.microsoft.com/office/drawing/2014/main" id="{AF0A216A-58C1-C07C-E2B9-57C28463BD91}"/>
+            </a:ext>
+          </a:extLst>
+        </p:cNvPr>
+        <p:cNvGrpSpPr/>
+        <p:nvPr/>
+      </p:nvGrpSpPr>
+      <p:grpSpPr>
+        <a:xfrm>
+          <a:off x="0" y="0"/>
+          <a:ext cx="0" cy="0"/>
+          <a:chOff x="0" y="0"/>
+          <a:chExt cx="0" cy="0"/>
+        </a:xfrm>
+      </p:grpSpPr>
+      <p:sp>
+        <p:nvSpPr>
+          <p:cNvPr id="2" name="Title 1">
+            <a:extLst>
+              <a:ext uri="{FF2B5EF4-FFF2-40B4-BE49-F238E27FC236}">
+                <a16:creationId xmlns:a16="http://schemas.microsoft.com/office/drawing/2014/main" id="{C40886B5-D6CB-35FD-7DB1-4744779CBF18}"/>
+              </a:ext>
+            </a:extLst>
+          </p:cNvPr>
+          <p:cNvSpPr>
+            <a:spLocks noGrp="1"/>
+          </p:cNvSpPr>
+          <p:nvPr>
+            <p:ph type="title"/>
+          </p:nvPr>
+        </p:nvSpPr>
+        <p:spPr>
+          <a:xfrm>
+            <a:off x="463550" y="965200"/>
+            <a:ext cx="12077700" cy="1415772"/>
+          </a:xfrm>
+        </p:spPr>
+        <p:txBody>
+          <a:bodyPr/>
+          <a:lstStyle/>
+          <a:p>
+            <a:r>
+              <a:rPr lang="en-US" dirty="0">
+                <a:latin typeface="Yu Gothic" panose="020B0400000000000000" pitchFamily="34" charset="-128"/>
+                <a:ea typeface="Yu Gothic" panose="020B0400000000000000" pitchFamily="34" charset="-128"/>
+              </a:rPr>
+              <a:t>Additional coalescent tree analysis (I’m curious about your opinions!)</a:t>
+            </a:r>
+          </a:p>
+        </p:txBody>
+      </p:sp>
+      <p:pic>
+        <p:nvPicPr>
+          <p:cNvPr id="12290" name="Picture 2">
+            <a:extLst>
+              <a:ext uri="{FF2B5EF4-FFF2-40B4-BE49-F238E27FC236}">
+                <a16:creationId xmlns:a16="http://schemas.microsoft.com/office/drawing/2014/main" id="{C17C50CC-7668-7CED-59F4-6C99A99DE111}"/>
+              </a:ext>
+            </a:extLst>
+          </p:cNvPr>
+          <p:cNvPicPr>
+            <a:picLocks noChangeAspect="1" noChangeArrowheads="1"/>
+          </p:cNvPicPr>
+          <p:nvPr/>
+        </p:nvPicPr>
+        <p:blipFill rotWithShape="1">
+          <a:blip r:embed="rId3">
+            <a:extLst>
+              <a:ext uri="{28A0092B-C50C-407E-A947-70E740481C1C}">
+                <a14:useLocalDpi xmlns:a14="http://schemas.microsoft.com/office/drawing/2010/main" val="0"/>
+              </a:ext>
+            </a:extLst>
+          </a:blip>
+          <a:srcRect t="49508"/>
+          <a:stretch>
+            <a:fillRect/>
+          </a:stretch>
+        </p:blipFill>
+        <p:spPr bwMode="auto">
+          <a:xfrm>
+            <a:off x="6350" y="6172200"/>
+            <a:ext cx="13004800" cy="3581400"/>
+          </a:xfrm>
+          <a:prstGeom prst="rect">
+            <a:avLst/>
+          </a:prstGeom>
+          <a:noFill/>
+          <a:extLst>
+            <a:ext uri="{909E8E84-426E-40DD-AFC4-6F175D3DCCD1}">
+              <a14:hiddenFill xmlns:a14="http://schemas.microsoft.com/office/drawing/2010/main">
+                <a:solidFill>
+                  <a:srgbClr val="FFFFFF"/>
+                </a:solidFill>
+              </a14:hiddenFill>
+            </a:ext>
+          </a:extLst>
+        </p:spPr>
+      </p:pic>
+      <p:sp>
+        <p:nvSpPr>
+          <p:cNvPr id="3" name="Rectangle 2">
+            <a:extLst>
+              <a:ext uri="{FF2B5EF4-FFF2-40B4-BE49-F238E27FC236}">
+                <a16:creationId xmlns:a16="http://schemas.microsoft.com/office/drawing/2014/main" id="{02C62DF6-AB7D-0770-29C6-090E10DC1B90}"/>
+              </a:ext>
+            </a:extLst>
+          </p:cNvPr>
+          <p:cNvSpPr/>
+          <p:nvPr/>
+        </p:nvSpPr>
+        <p:spPr>
+          <a:xfrm>
+            <a:off x="787400" y="6477000"/>
+            <a:ext cx="1143000" cy="2819400"/>
+          </a:xfrm>
+          <a:prstGeom prst="rect">
+            <a:avLst/>
+          </a:prstGeom>
+          <a:noFill/>
+          <a:ln w="76200">
+            <a:solidFill>
+              <a:srgbClr val="FFC000"/>
+            </a:solidFill>
+          </a:ln>
+        </p:spPr>
+        <p:style>
+          <a:lnRef idx="2">
+            <a:schemeClr val="accent1">
+              <a:shade val="15000"/>
+            </a:schemeClr>
+          </a:lnRef>
+          <a:fillRef idx="1">
+            <a:schemeClr val="accent1"/>
+          </a:fillRef>
+          <a:effectRef idx="0">
+            <a:schemeClr val="accent1"/>
+          </a:effectRef>
+          <a:fontRef idx="minor">
+            <a:schemeClr val="lt1"/>
+          </a:fontRef>
+        </p:style>
+        <p:txBody>
+          <a:bodyPr rtlCol="0" anchor="ctr"/>
+          <a:lstStyle/>
+          <a:p>
+            <a:pPr algn="ctr"/>
+            <a:endParaRPr lang="en-US"/>
+          </a:p>
+        </p:txBody>
+      </p:sp>
+      <p:pic>
+        <p:nvPicPr>
+          <p:cNvPr id="4" name="Picture 2">
+            <a:extLst>
+              <a:ext uri="{FF2B5EF4-FFF2-40B4-BE49-F238E27FC236}">
                 <a16:creationId xmlns:a16="http://schemas.microsoft.com/office/drawing/2014/main" id="{ADEAC90D-FEC2-CE36-4645-384E6502F8AE}"/>
               </a:ext>
             </a:extLst>
@@ -32925,7 +32868,7 @@
 </p:sld>
 </file>
 
-<file path=ppt/slides/slide41.xml><?xml version="1.0" encoding="utf-8"?>
+<file path=ppt/slides/slide42.xml><?xml version="1.0" encoding="utf-8"?>
 <p:sld xmlns:a="http://schemas.openxmlformats.org/drawingml/2006/main" xmlns:r="http://schemas.openxmlformats.org/officeDocument/2006/relationships" xmlns:p="http://schemas.openxmlformats.org/presentationml/2006/main">
   <p:cSld>
     <p:spTree>
@@ -33099,7 +33042,7 @@
 </p:sld>
 </file>
 
-<file path=ppt/slides/slide42.xml><?xml version="1.0" encoding="utf-8"?>
+<file path=ppt/slides/slide43.xml><?xml version="1.0" encoding="utf-8"?>
 <p:sld xmlns:a="http://schemas.openxmlformats.org/drawingml/2006/main" xmlns:r="http://schemas.openxmlformats.org/officeDocument/2006/relationships" xmlns:p="http://schemas.openxmlformats.org/presentationml/2006/main">
   <p:cSld>
     <p:spTree>
@@ -33256,7 +33199,7 @@
 </p:sld>
 </file>
 
-<file path=ppt/slides/slide43.xml><?xml version="1.0" encoding="utf-8"?>
+<file path=ppt/slides/slide44.xml><?xml version="1.0" encoding="utf-8"?>
 <p:sld xmlns:a="http://schemas.openxmlformats.org/drawingml/2006/main" xmlns:r="http://schemas.openxmlformats.org/officeDocument/2006/relationships" xmlns:p="http://schemas.openxmlformats.org/presentationml/2006/main">
   <p:cSld>
     <p:spTree>
@@ -33429,7 +33372,7 @@
 </p:sld>
 </file>
 
-<file path=ppt/slides/slide44.xml><?xml version="1.0" encoding="utf-8"?>
+<file path=ppt/slides/slide45.xml><?xml version="1.0" encoding="utf-8"?>
 <p:sld xmlns:a="http://schemas.openxmlformats.org/drawingml/2006/main" xmlns:r="http://schemas.openxmlformats.org/officeDocument/2006/relationships" xmlns:p="http://schemas.openxmlformats.org/presentationml/2006/main">
   <p:cSld>
     <p:spTree>
@@ -33653,7 +33596,7 @@
 </p:sld>
 </file>
 
-<file path=ppt/slides/slide45.xml><?xml version="1.0" encoding="utf-8"?>
+<file path=ppt/slides/slide46.xml><?xml version="1.0" encoding="utf-8"?>
 <p:sld xmlns:a="http://schemas.openxmlformats.org/drawingml/2006/main" xmlns:r="http://schemas.openxmlformats.org/officeDocument/2006/relationships" xmlns:p="http://schemas.openxmlformats.org/presentationml/2006/main">
   <p:cSld>
     <p:spTree>
@@ -33749,7 +33692,7 @@
 </p:sld>
 </file>
 
-<file path=ppt/slides/slide46.xml><?xml version="1.0" encoding="utf-8"?>
+<file path=ppt/slides/slide47.xml><?xml version="1.0" encoding="utf-8"?>
 <p:sld xmlns:a="http://schemas.openxmlformats.org/drawingml/2006/main" xmlns:r="http://schemas.openxmlformats.org/officeDocument/2006/relationships" xmlns:p="http://schemas.openxmlformats.org/presentationml/2006/main">
   <p:cSld>
     <p:spTree>
@@ -33851,7 +33794,7 @@
 </p:sld>
 </file>
 
-<file path=ppt/slides/slide47.xml><?xml version="1.0" encoding="utf-8"?>
+<file path=ppt/slides/slide48.xml><?xml version="1.0" encoding="utf-8"?>
 <p:sld xmlns:a="http://schemas.openxmlformats.org/drawingml/2006/main" xmlns:r="http://schemas.openxmlformats.org/officeDocument/2006/relationships" xmlns:p="http://schemas.openxmlformats.org/presentationml/2006/main">
   <p:cSld>
     <p:spTree>
@@ -33944,7 +33887,7 @@
 </p:sld>
 </file>
 
-<file path=ppt/slides/slide48.xml><?xml version="1.0" encoding="utf-8"?>
+<file path=ppt/slides/slide49.xml><?xml version="1.0" encoding="utf-8"?>
 <p:sld xmlns:a="http://schemas.openxmlformats.org/drawingml/2006/main" xmlns:r="http://schemas.openxmlformats.org/officeDocument/2006/relationships" xmlns:p="http://schemas.openxmlformats.org/presentationml/2006/main">
   <p:cSld>
     <p:spTree>
@@ -34037,7 +33980,181 @@
 </p:sld>
 </file>
 
-<file path=ppt/slides/slide49.xml><?xml version="1.0" encoding="utf-8"?>
+<file path=ppt/slides/slide5.xml><?xml version="1.0" encoding="utf-8"?>
+<p:sld xmlns:a="http://schemas.openxmlformats.org/drawingml/2006/main" xmlns:r="http://schemas.openxmlformats.org/officeDocument/2006/relationships" xmlns:p="http://schemas.openxmlformats.org/presentationml/2006/main">
+  <p:cSld>
+    <p:spTree>
+      <p:nvGrpSpPr>
+        <p:cNvPr id="1" name="">
+          <a:extLst>
+            <a:ext uri="{FF2B5EF4-FFF2-40B4-BE49-F238E27FC236}">
+              <a16:creationId xmlns:a16="http://schemas.microsoft.com/office/drawing/2014/main" id="{6E369602-264E-7255-923F-83558873496C}"/>
+            </a:ext>
+          </a:extLst>
+        </p:cNvPr>
+        <p:cNvGrpSpPr/>
+        <p:nvPr/>
+      </p:nvGrpSpPr>
+      <p:grpSpPr>
+        <a:xfrm>
+          <a:off x="0" y="0"/>
+          <a:ext cx="0" cy="0"/>
+          <a:chOff x="0" y="0"/>
+          <a:chExt cx="0" cy="0"/>
+        </a:xfrm>
+      </p:grpSpPr>
+      <p:sp>
+        <p:nvSpPr>
+          <p:cNvPr id="2" name="Title 1">
+            <a:extLst>
+              <a:ext uri="{FF2B5EF4-FFF2-40B4-BE49-F238E27FC236}">
+                <a16:creationId xmlns:a16="http://schemas.microsoft.com/office/drawing/2014/main" id="{0F57B37C-52ED-873F-AFA5-5364C6DF8BD8}"/>
+              </a:ext>
+            </a:extLst>
+          </p:cNvPr>
+          <p:cNvSpPr>
+            <a:spLocks noGrp="1"/>
+          </p:cNvSpPr>
+          <p:nvPr>
+            <p:ph type="title"/>
+          </p:nvPr>
+        </p:nvSpPr>
+        <p:spPr/>
+        <p:txBody>
+          <a:bodyPr/>
+          <a:lstStyle/>
+          <a:p>
+            <a:r>
+              <a:rPr lang="en-US" dirty="0">
+                <a:latin typeface="Yu Gothic" panose="020B0400000000000000" pitchFamily="34" charset="-128"/>
+                <a:ea typeface="Yu Gothic" panose="020B0400000000000000" pitchFamily="34" charset="-128"/>
+              </a:rPr>
+              <a:t>Thesis chapter overview</a:t>
+            </a:r>
+          </a:p>
+        </p:txBody>
+      </p:sp>
+      <p:sp>
+        <p:nvSpPr>
+          <p:cNvPr id="3" name="Text Placeholder 2">
+            <a:extLst>
+              <a:ext uri="{FF2B5EF4-FFF2-40B4-BE49-F238E27FC236}">
+                <a16:creationId xmlns:a16="http://schemas.microsoft.com/office/drawing/2014/main" id="{D3CF7DDC-0562-D736-4A2E-225A746C8434}"/>
+              </a:ext>
+            </a:extLst>
+          </p:cNvPr>
+          <p:cNvSpPr>
+            <a:spLocks noGrp="1"/>
+          </p:cNvSpPr>
+          <p:nvPr>
+            <p:ph type="body" idx="1"/>
+          </p:nvPr>
+        </p:nvSpPr>
+        <p:spPr>
+          <a:xfrm>
+            <a:off x="825500" y="2889468"/>
+            <a:ext cx="11353800" cy="5909310"/>
+          </a:xfrm>
+        </p:spPr>
+        <p:txBody>
+          <a:bodyPr/>
+          <a:lstStyle/>
+          <a:p>
+            <a:pPr marL="514350" indent="-514350">
+              <a:buFont typeface="+mj-lt"/>
+              <a:buAutoNum type="arabicPeriod"/>
+            </a:pPr>
+            <a:r>
+              <a:rPr lang="en-US" sz="3200" b="1" dirty="0">
+                <a:latin typeface="Yu Gothic" panose="020B0400000000000000" pitchFamily="34" charset="-128"/>
+                <a:ea typeface="Yu Gothic" panose="020B0400000000000000" pitchFamily="34" charset="-128"/>
+              </a:rPr>
+              <a:t>What is the population demographic history and distribution of fitness effects of human gut commensal bacteria?</a:t>
+            </a:r>
+            <a:br>
+              <a:rPr lang="en-US" sz="3200" dirty="0">
+                <a:latin typeface="Yu Gothic" panose="020B0400000000000000" pitchFamily="34" charset="-128"/>
+                <a:ea typeface="Yu Gothic" panose="020B0400000000000000" pitchFamily="34" charset="-128"/>
+              </a:rPr>
+            </a:br>
+            <a:br>
+              <a:rPr lang="en-US" sz="3200" dirty="0">
+                <a:latin typeface="Yu Gothic" panose="020B0400000000000000" pitchFamily="34" charset="-128"/>
+                <a:ea typeface="Yu Gothic" panose="020B0400000000000000" pitchFamily="34" charset="-128"/>
+              </a:rPr>
+            </a:br>
+            <a:endParaRPr lang="en-US" sz="3200" dirty="0">
+              <a:latin typeface="Yu Gothic" panose="020B0400000000000000" pitchFamily="34" charset="-128"/>
+              <a:ea typeface="Yu Gothic" panose="020B0400000000000000" pitchFamily="34" charset="-128"/>
+            </a:endParaRPr>
+          </a:p>
+          <a:p>
+            <a:pPr marL="514350" indent="-514350">
+              <a:buFont typeface="+mj-lt"/>
+              <a:buAutoNum type="arabicPeriod"/>
+            </a:pPr>
+            <a:r>
+              <a:rPr lang="en-US" sz="3200" dirty="0">
+                <a:latin typeface="Yu Gothic" panose="020B0400000000000000" pitchFamily="34" charset="-128"/>
+                <a:ea typeface="Yu Gothic" panose="020B0400000000000000" pitchFamily="34" charset="-128"/>
+                <a:cs typeface="Arial" panose="020B0604020202020204" pitchFamily="34" charset="0"/>
+              </a:rPr>
+              <a:t>How does the number of individuals studied influence the evolutionary stories we infer from population genetic data?</a:t>
+            </a:r>
+            <a:br>
+              <a:rPr lang="en-US" sz="3200" dirty="0">
+                <a:latin typeface="Yu Gothic" panose="020B0400000000000000" pitchFamily="34" charset="-128"/>
+                <a:ea typeface="Yu Gothic" panose="020B0400000000000000" pitchFamily="34" charset="-128"/>
+                <a:cs typeface="Arial" panose="020B0604020202020204" pitchFamily="34" charset="0"/>
+              </a:rPr>
+            </a:br>
+            <a:br>
+              <a:rPr lang="en-US" sz="3200" dirty="0">
+                <a:latin typeface="Yu Gothic" panose="020B0400000000000000" pitchFamily="34" charset="-128"/>
+                <a:ea typeface="Yu Gothic" panose="020B0400000000000000" pitchFamily="34" charset="-128"/>
+                <a:cs typeface="Arial" panose="020B0604020202020204" pitchFamily="34" charset="0"/>
+              </a:rPr>
+            </a:br>
+            <a:endParaRPr lang="en-US" sz="3200" dirty="0">
+              <a:latin typeface="Yu Gothic" panose="020B0400000000000000" pitchFamily="34" charset="-128"/>
+              <a:ea typeface="Yu Gothic" panose="020B0400000000000000" pitchFamily="34" charset="-128"/>
+              <a:cs typeface="Arial" panose="020B0604020202020204" pitchFamily="34" charset="0"/>
+            </a:endParaRPr>
+          </a:p>
+          <a:p>
+            <a:pPr marL="514350" indent="-514350">
+              <a:buFont typeface="+mj-lt"/>
+              <a:buAutoNum type="arabicPeriod"/>
+            </a:pPr>
+            <a:r>
+              <a:rPr lang="en-US" sz="3200" dirty="0">
+                <a:latin typeface="Yu Gothic" panose="020B0400000000000000" pitchFamily="34" charset="-128"/>
+                <a:ea typeface="Yu Gothic" panose="020B0400000000000000" pitchFamily="34" charset="-128"/>
+                <a:cs typeface="Arial" panose="020B0604020202020204" pitchFamily="34" charset="0"/>
+              </a:rPr>
+              <a:t>How do differences between population genetic datasets affect their distribution of fitness effects?</a:t>
+            </a:r>
+            <a:endParaRPr lang="en-US" sz="3200" dirty="0">
+              <a:latin typeface="Yu Gothic" panose="020B0400000000000000" pitchFamily="34" charset="-128"/>
+              <a:ea typeface="Yu Gothic" panose="020B0400000000000000" pitchFamily="34" charset="-128"/>
+            </a:endParaRPr>
+          </a:p>
+        </p:txBody>
+      </p:sp>
+    </p:spTree>
+    <p:extLst>
+      <p:ext uri="{BB962C8B-B14F-4D97-AF65-F5344CB8AC3E}">
+        <p14:creationId xmlns:p14="http://schemas.microsoft.com/office/powerpoint/2010/main" val="951066982"/>
+      </p:ext>
+    </p:extLst>
+  </p:cSld>
+  <p:clrMapOvr>
+    <a:masterClrMapping/>
+  </p:clrMapOvr>
+</p:sld>
+</file>
+
+<file path=ppt/slides/slide50.xml><?xml version="1.0" encoding="utf-8"?>
 <p:sld xmlns:a="http://schemas.openxmlformats.org/drawingml/2006/main" xmlns:r="http://schemas.openxmlformats.org/officeDocument/2006/relationships" xmlns:p="http://schemas.openxmlformats.org/presentationml/2006/main">
   <p:cSld>
     <p:spTree>
@@ -34136,181 +34253,7 @@
 </p:sld>
 </file>
 
-<file path=ppt/slides/slide5.xml><?xml version="1.0" encoding="utf-8"?>
-<p:sld xmlns:a="http://schemas.openxmlformats.org/drawingml/2006/main" xmlns:r="http://schemas.openxmlformats.org/officeDocument/2006/relationships" xmlns:p="http://schemas.openxmlformats.org/presentationml/2006/main">
-  <p:cSld>
-    <p:spTree>
-      <p:nvGrpSpPr>
-        <p:cNvPr id="1" name="">
-          <a:extLst>
-            <a:ext uri="{FF2B5EF4-FFF2-40B4-BE49-F238E27FC236}">
-              <a16:creationId xmlns:a16="http://schemas.microsoft.com/office/drawing/2014/main" id="{6E369602-264E-7255-923F-83558873496C}"/>
-            </a:ext>
-          </a:extLst>
-        </p:cNvPr>
-        <p:cNvGrpSpPr/>
-        <p:nvPr/>
-      </p:nvGrpSpPr>
-      <p:grpSpPr>
-        <a:xfrm>
-          <a:off x="0" y="0"/>
-          <a:ext cx="0" cy="0"/>
-          <a:chOff x="0" y="0"/>
-          <a:chExt cx="0" cy="0"/>
-        </a:xfrm>
-      </p:grpSpPr>
-      <p:sp>
-        <p:nvSpPr>
-          <p:cNvPr id="2" name="Title 1">
-            <a:extLst>
-              <a:ext uri="{FF2B5EF4-FFF2-40B4-BE49-F238E27FC236}">
-                <a16:creationId xmlns:a16="http://schemas.microsoft.com/office/drawing/2014/main" id="{0F57B37C-52ED-873F-AFA5-5364C6DF8BD8}"/>
-              </a:ext>
-            </a:extLst>
-          </p:cNvPr>
-          <p:cNvSpPr>
-            <a:spLocks noGrp="1"/>
-          </p:cNvSpPr>
-          <p:nvPr>
-            <p:ph type="title"/>
-          </p:nvPr>
-        </p:nvSpPr>
-        <p:spPr/>
-        <p:txBody>
-          <a:bodyPr/>
-          <a:lstStyle/>
-          <a:p>
-            <a:r>
-              <a:rPr lang="en-US" dirty="0">
-                <a:latin typeface="Yu Gothic" panose="020B0400000000000000" pitchFamily="34" charset="-128"/>
-                <a:ea typeface="Yu Gothic" panose="020B0400000000000000" pitchFamily="34" charset="-128"/>
-              </a:rPr>
-              <a:t>Thesis chapter overview</a:t>
-            </a:r>
-          </a:p>
-        </p:txBody>
-      </p:sp>
-      <p:sp>
-        <p:nvSpPr>
-          <p:cNvPr id="3" name="Text Placeholder 2">
-            <a:extLst>
-              <a:ext uri="{FF2B5EF4-FFF2-40B4-BE49-F238E27FC236}">
-                <a16:creationId xmlns:a16="http://schemas.microsoft.com/office/drawing/2014/main" id="{D3CF7DDC-0562-D736-4A2E-225A746C8434}"/>
-              </a:ext>
-            </a:extLst>
-          </p:cNvPr>
-          <p:cNvSpPr>
-            <a:spLocks noGrp="1"/>
-          </p:cNvSpPr>
-          <p:nvPr>
-            <p:ph type="body" idx="1"/>
-          </p:nvPr>
-        </p:nvSpPr>
-        <p:spPr>
-          <a:xfrm>
-            <a:off x="825500" y="2889468"/>
-            <a:ext cx="11353800" cy="5909310"/>
-          </a:xfrm>
-        </p:spPr>
-        <p:txBody>
-          <a:bodyPr/>
-          <a:lstStyle/>
-          <a:p>
-            <a:pPr marL="514350" indent="-514350">
-              <a:buFont typeface="+mj-lt"/>
-              <a:buAutoNum type="arabicPeriod"/>
-            </a:pPr>
-            <a:r>
-              <a:rPr lang="en-US" sz="3200" b="1" dirty="0">
-                <a:latin typeface="Yu Gothic" panose="020B0400000000000000" pitchFamily="34" charset="-128"/>
-                <a:ea typeface="Yu Gothic" panose="020B0400000000000000" pitchFamily="34" charset="-128"/>
-              </a:rPr>
-              <a:t>What is the population demographic history and distribution of fitness effects of human gut commensal bacteria?</a:t>
-            </a:r>
-            <a:br>
-              <a:rPr lang="en-US" sz="3200" dirty="0">
-                <a:latin typeface="Yu Gothic" panose="020B0400000000000000" pitchFamily="34" charset="-128"/>
-                <a:ea typeface="Yu Gothic" panose="020B0400000000000000" pitchFamily="34" charset="-128"/>
-              </a:rPr>
-            </a:br>
-            <a:br>
-              <a:rPr lang="en-US" sz="3200" dirty="0">
-                <a:latin typeface="Yu Gothic" panose="020B0400000000000000" pitchFamily="34" charset="-128"/>
-                <a:ea typeface="Yu Gothic" panose="020B0400000000000000" pitchFamily="34" charset="-128"/>
-              </a:rPr>
-            </a:br>
-            <a:endParaRPr lang="en-US" sz="3200" dirty="0">
-              <a:latin typeface="Yu Gothic" panose="020B0400000000000000" pitchFamily="34" charset="-128"/>
-              <a:ea typeface="Yu Gothic" panose="020B0400000000000000" pitchFamily="34" charset="-128"/>
-            </a:endParaRPr>
-          </a:p>
-          <a:p>
-            <a:pPr marL="514350" indent="-514350">
-              <a:buFont typeface="+mj-lt"/>
-              <a:buAutoNum type="arabicPeriod"/>
-            </a:pPr>
-            <a:r>
-              <a:rPr lang="en-US" sz="3200" dirty="0">
-                <a:latin typeface="Yu Gothic" panose="020B0400000000000000" pitchFamily="34" charset="-128"/>
-                <a:ea typeface="Yu Gothic" panose="020B0400000000000000" pitchFamily="34" charset="-128"/>
-                <a:cs typeface="Arial" panose="020B0604020202020204" pitchFamily="34" charset="0"/>
-              </a:rPr>
-              <a:t>How does the number of individuals studied influence the evolutionary stories we infer from population genetic data?</a:t>
-            </a:r>
-            <a:br>
-              <a:rPr lang="en-US" sz="3200" dirty="0">
-                <a:latin typeface="Yu Gothic" panose="020B0400000000000000" pitchFamily="34" charset="-128"/>
-                <a:ea typeface="Yu Gothic" panose="020B0400000000000000" pitchFamily="34" charset="-128"/>
-                <a:cs typeface="Arial" panose="020B0604020202020204" pitchFamily="34" charset="0"/>
-              </a:rPr>
-            </a:br>
-            <a:br>
-              <a:rPr lang="en-US" sz="3200" dirty="0">
-                <a:latin typeface="Yu Gothic" panose="020B0400000000000000" pitchFamily="34" charset="-128"/>
-                <a:ea typeface="Yu Gothic" panose="020B0400000000000000" pitchFamily="34" charset="-128"/>
-                <a:cs typeface="Arial" panose="020B0604020202020204" pitchFamily="34" charset="0"/>
-              </a:rPr>
-            </a:br>
-            <a:endParaRPr lang="en-US" sz="3200" dirty="0">
-              <a:latin typeface="Yu Gothic" panose="020B0400000000000000" pitchFamily="34" charset="-128"/>
-              <a:ea typeface="Yu Gothic" panose="020B0400000000000000" pitchFamily="34" charset="-128"/>
-              <a:cs typeface="Arial" panose="020B0604020202020204" pitchFamily="34" charset="0"/>
-            </a:endParaRPr>
-          </a:p>
-          <a:p>
-            <a:pPr marL="514350" indent="-514350">
-              <a:buFont typeface="+mj-lt"/>
-              <a:buAutoNum type="arabicPeriod"/>
-            </a:pPr>
-            <a:r>
-              <a:rPr lang="en-US" sz="3200" dirty="0">
-                <a:latin typeface="Yu Gothic" panose="020B0400000000000000" pitchFamily="34" charset="-128"/>
-                <a:ea typeface="Yu Gothic" panose="020B0400000000000000" pitchFamily="34" charset="-128"/>
-                <a:cs typeface="Arial" panose="020B0604020202020204" pitchFamily="34" charset="0"/>
-              </a:rPr>
-              <a:t>How do differences between population genetic datasets affect their distribution of fitness effects?</a:t>
-            </a:r>
-            <a:endParaRPr lang="en-US" sz="3200" dirty="0">
-              <a:latin typeface="Yu Gothic" panose="020B0400000000000000" pitchFamily="34" charset="-128"/>
-              <a:ea typeface="Yu Gothic" panose="020B0400000000000000" pitchFamily="34" charset="-128"/>
-            </a:endParaRPr>
-          </a:p>
-        </p:txBody>
-      </p:sp>
-    </p:spTree>
-    <p:extLst>
-      <p:ext uri="{BB962C8B-B14F-4D97-AF65-F5344CB8AC3E}">
-        <p14:creationId xmlns:p14="http://schemas.microsoft.com/office/powerpoint/2010/main" val="951066982"/>
-      </p:ext>
-    </p:extLst>
-  </p:cSld>
-  <p:clrMapOvr>
-    <a:masterClrMapping/>
-  </p:clrMapOvr>
-</p:sld>
-</file>
-
-<file path=ppt/slides/slide50.xml><?xml version="1.0" encoding="utf-8"?>
+<file path=ppt/slides/slide51.xml><?xml version="1.0" encoding="utf-8"?>
 <p:sld xmlns:a="http://schemas.openxmlformats.org/drawingml/2006/main" xmlns:r="http://schemas.openxmlformats.org/officeDocument/2006/relationships" xmlns:p="http://schemas.openxmlformats.org/presentationml/2006/main">
   <p:cSld>
     <p:spTree>
@@ -34398,7 +34341,7 @@
 </p:sld>
 </file>
 
-<file path=ppt/slides/slide51.xml><?xml version="1.0" encoding="utf-8"?>
+<file path=ppt/slides/slide52.xml><?xml version="1.0" encoding="utf-8"?>
 <p:sld xmlns:a="http://schemas.openxmlformats.org/drawingml/2006/main" xmlns:r="http://schemas.openxmlformats.org/officeDocument/2006/relationships" xmlns:p="http://schemas.openxmlformats.org/presentationml/2006/main">
   <p:cSld>
     <p:spTree>
@@ -34582,7 +34525,7 @@
 </p:sld>
 </file>
 
-<file path=ppt/slides/slide52.xml><?xml version="1.0" encoding="utf-8"?>
+<file path=ppt/slides/slide53.xml><?xml version="1.0" encoding="utf-8"?>
 <p:sld xmlns:a="http://schemas.openxmlformats.org/drawingml/2006/main" xmlns:r="http://schemas.openxmlformats.org/officeDocument/2006/relationships" xmlns:p="http://schemas.openxmlformats.org/presentationml/2006/main">
   <p:cSld>
     <p:spTree>
@@ -34670,7 +34613,7 @@
 </p:sld>
 </file>
 
-<file path=ppt/slides/slide53.xml><?xml version="1.0" encoding="utf-8"?>
+<file path=ppt/slides/slide54.xml><?xml version="1.0" encoding="utf-8"?>
 <p:sld xmlns:a="http://schemas.openxmlformats.org/drawingml/2006/main" xmlns:r="http://schemas.openxmlformats.org/officeDocument/2006/relationships" xmlns:p="http://schemas.openxmlformats.org/presentationml/2006/main">
   <p:cSld>
     <p:spTree>
@@ -34767,7 +34710,7 @@
 </p:sld>
 </file>
 
-<file path=ppt/slides/slide54.xml><?xml version="1.0" encoding="utf-8"?>
+<file path=ppt/slides/slide55.xml><?xml version="1.0" encoding="utf-8"?>
 <p:sld xmlns:a="http://schemas.openxmlformats.org/drawingml/2006/main" xmlns:r="http://schemas.openxmlformats.org/officeDocument/2006/relationships" xmlns:p="http://schemas.openxmlformats.org/presentationml/2006/main">
   <p:cSld>
     <p:spTree>
@@ -34870,7 +34813,7 @@
 </p:sld>
 </file>
 
-<file path=ppt/slides/slide55.xml><?xml version="1.0" encoding="utf-8"?>
+<file path=ppt/slides/slide56.xml><?xml version="1.0" encoding="utf-8"?>
 <p:sld xmlns:a="http://schemas.openxmlformats.org/drawingml/2006/main" xmlns:r="http://schemas.openxmlformats.org/officeDocument/2006/relationships" xmlns:p="http://schemas.openxmlformats.org/presentationml/2006/main">
   <p:cSld>
     <p:spTree>
@@ -34973,7 +34916,7 @@
 </p:sld>
 </file>
 
-<file path=ppt/slides/slide56.xml><?xml version="1.0" encoding="utf-8"?>
+<file path=ppt/slides/slide57.xml><?xml version="1.0" encoding="utf-8"?>
 <p:sld xmlns:a="http://schemas.openxmlformats.org/drawingml/2006/main" xmlns:r="http://schemas.openxmlformats.org/officeDocument/2006/relationships" xmlns:p="http://schemas.openxmlformats.org/presentationml/2006/main">
   <p:cSld>
     <p:spTree>
@@ -35076,7 +35019,7 @@
 </p:sld>
 </file>
 
-<file path=ppt/slides/slide57.xml><?xml version="1.0" encoding="utf-8"?>
+<file path=ppt/slides/slide58.xml><?xml version="1.0" encoding="utf-8"?>
 <p:sld xmlns:a="http://schemas.openxmlformats.org/drawingml/2006/main" xmlns:r="http://schemas.openxmlformats.org/officeDocument/2006/relationships" xmlns:p="http://schemas.openxmlformats.org/presentationml/2006/main">
   <p:cSld>
     <p:spTree>
@@ -35179,7 +35122,7 @@
 </p:sld>
 </file>
 
-<file path=ppt/slides/slide58.xml><?xml version="1.0" encoding="utf-8"?>
+<file path=ppt/slides/slide59.xml><?xml version="1.0" encoding="utf-8"?>
 <p:sld xmlns:a="http://schemas.openxmlformats.org/drawingml/2006/main" xmlns:r="http://schemas.openxmlformats.org/officeDocument/2006/relationships" xmlns:p="http://schemas.openxmlformats.org/presentationml/2006/main">
   <p:cSld>
     <p:spTree>
@@ -35284,120 +35227,6 @@
     <p:extLst>
       <p:ext uri="{BB962C8B-B14F-4D97-AF65-F5344CB8AC3E}">
         <p14:creationId xmlns:p14="http://schemas.microsoft.com/office/powerpoint/2010/main" val="3711617737"/>
-      </p:ext>
-    </p:extLst>
-  </p:cSld>
-  <p:clrMapOvr>
-    <a:masterClrMapping/>
-  </p:clrMapOvr>
-</p:sld>
-</file>
-
-<file path=ppt/slides/slide59.xml><?xml version="1.0" encoding="utf-8"?>
-<p:sld xmlns:a="http://schemas.openxmlformats.org/drawingml/2006/main" xmlns:r="http://schemas.openxmlformats.org/officeDocument/2006/relationships" xmlns:p="http://schemas.openxmlformats.org/presentationml/2006/main">
-  <p:cSld>
-    <p:spTree>
-      <p:nvGrpSpPr>
-        <p:cNvPr id="1" name="">
-          <a:extLst>
-            <a:ext uri="{FF2B5EF4-FFF2-40B4-BE49-F238E27FC236}">
-              <a16:creationId xmlns:a16="http://schemas.microsoft.com/office/drawing/2014/main" id="{17BDB02D-040A-7CD6-BA88-6D75E7122479}"/>
-            </a:ext>
-          </a:extLst>
-        </p:cNvPr>
-        <p:cNvGrpSpPr/>
-        <p:nvPr/>
-      </p:nvGrpSpPr>
-      <p:grpSpPr>
-        <a:xfrm>
-          <a:off x="0" y="0"/>
-          <a:ext cx="0" cy="0"/>
-          <a:chOff x="0" y="0"/>
-          <a:chExt cx="0" cy="0"/>
-        </a:xfrm>
-      </p:grpSpPr>
-      <p:sp>
-        <p:nvSpPr>
-          <p:cNvPr id="2" name="Title 1">
-            <a:extLst>
-              <a:ext uri="{FF2B5EF4-FFF2-40B4-BE49-F238E27FC236}">
-                <a16:creationId xmlns:a16="http://schemas.microsoft.com/office/drawing/2014/main" id="{FDAC6C24-6A8D-3D83-3965-F53F699518A1}"/>
-              </a:ext>
-            </a:extLst>
-          </p:cNvPr>
-          <p:cNvSpPr>
-            <a:spLocks noGrp="1"/>
-          </p:cNvSpPr>
-          <p:nvPr>
-            <p:ph type="title"/>
-          </p:nvPr>
-        </p:nvSpPr>
-        <p:spPr/>
-        <p:txBody>
-          <a:bodyPr/>
-          <a:lstStyle/>
-          <a:p>
-            <a:r>
-              <a:rPr lang="en-US" dirty="0">
-                <a:latin typeface="Yu Gothic" panose="020B0400000000000000" pitchFamily="34" charset="-128"/>
-                <a:ea typeface="Yu Gothic" panose="020B0400000000000000" pitchFamily="34" charset="-128"/>
-              </a:rPr>
-              <a:t>That’s a great question!</a:t>
-            </a:r>
-          </a:p>
-        </p:txBody>
-      </p:sp>
-      <p:pic>
-        <p:nvPicPr>
-          <p:cNvPr id="7170" name="Picture 2">
-            <a:extLst>
-              <a:ext uri="{FF2B5EF4-FFF2-40B4-BE49-F238E27FC236}">
-                <a16:creationId xmlns:a16="http://schemas.microsoft.com/office/drawing/2014/main" id="{0B6B9D38-8ED8-622F-0667-790BC53ABE6F}"/>
-              </a:ext>
-            </a:extLst>
-          </p:cNvPr>
-          <p:cNvPicPr>
-            <a:picLocks noChangeAspect="1" noChangeArrowheads="1"/>
-          </p:cNvPicPr>
-          <p:nvPr/>
-        </p:nvPicPr>
-        <p:blipFill>
-          <a:blip r:embed="rId2">
-            <a:extLst>
-              <a:ext uri="{28A0092B-C50C-407E-A947-70E740481C1C}">
-                <a14:useLocalDpi xmlns:a14="http://schemas.microsoft.com/office/drawing/2010/main" val="0"/>
-              </a:ext>
-            </a:extLst>
-          </a:blip>
-          <a:srcRect/>
-          <a:stretch>
-            <a:fillRect/>
-          </a:stretch>
-        </p:blipFill>
-        <p:spPr bwMode="auto">
-          <a:xfrm>
-            <a:off x="2692400" y="2019300"/>
-            <a:ext cx="7620000" cy="5715000"/>
-          </a:xfrm>
-          <a:prstGeom prst="rect">
-            <a:avLst/>
-          </a:prstGeom>
-          <a:noFill/>
-          <a:extLst>
-            <a:ext uri="{909E8E84-426E-40DD-AFC4-6F175D3DCCD1}">
-              <a14:hiddenFill xmlns:a14="http://schemas.microsoft.com/office/drawing/2010/main">
-                <a:solidFill>
-                  <a:srgbClr val="FFFFFF"/>
-                </a:solidFill>
-              </a14:hiddenFill>
-            </a:ext>
-          </a:extLst>
-        </p:spPr>
-      </p:pic>
-    </p:spTree>
-    <p:extLst>
-      <p:ext uri="{BB962C8B-B14F-4D97-AF65-F5344CB8AC3E}">
-        <p14:creationId xmlns:p14="http://schemas.microsoft.com/office/powerpoint/2010/main" val="3803423039"/>
       </p:ext>
     </p:extLst>
   </p:cSld>
@@ -35521,6 +35350,120 @@
 </file>
 
 <file path=ppt/slides/slide60.xml><?xml version="1.0" encoding="utf-8"?>
+<p:sld xmlns:a="http://schemas.openxmlformats.org/drawingml/2006/main" xmlns:r="http://schemas.openxmlformats.org/officeDocument/2006/relationships" xmlns:p="http://schemas.openxmlformats.org/presentationml/2006/main">
+  <p:cSld>
+    <p:spTree>
+      <p:nvGrpSpPr>
+        <p:cNvPr id="1" name="">
+          <a:extLst>
+            <a:ext uri="{FF2B5EF4-FFF2-40B4-BE49-F238E27FC236}">
+              <a16:creationId xmlns:a16="http://schemas.microsoft.com/office/drawing/2014/main" id="{17BDB02D-040A-7CD6-BA88-6D75E7122479}"/>
+            </a:ext>
+          </a:extLst>
+        </p:cNvPr>
+        <p:cNvGrpSpPr/>
+        <p:nvPr/>
+      </p:nvGrpSpPr>
+      <p:grpSpPr>
+        <a:xfrm>
+          <a:off x="0" y="0"/>
+          <a:ext cx="0" cy="0"/>
+          <a:chOff x="0" y="0"/>
+          <a:chExt cx="0" cy="0"/>
+        </a:xfrm>
+      </p:grpSpPr>
+      <p:sp>
+        <p:nvSpPr>
+          <p:cNvPr id="2" name="Title 1">
+            <a:extLst>
+              <a:ext uri="{FF2B5EF4-FFF2-40B4-BE49-F238E27FC236}">
+                <a16:creationId xmlns:a16="http://schemas.microsoft.com/office/drawing/2014/main" id="{FDAC6C24-6A8D-3D83-3965-F53F699518A1}"/>
+              </a:ext>
+            </a:extLst>
+          </p:cNvPr>
+          <p:cNvSpPr>
+            <a:spLocks noGrp="1"/>
+          </p:cNvSpPr>
+          <p:nvPr>
+            <p:ph type="title"/>
+          </p:nvPr>
+        </p:nvSpPr>
+        <p:spPr/>
+        <p:txBody>
+          <a:bodyPr/>
+          <a:lstStyle/>
+          <a:p>
+            <a:r>
+              <a:rPr lang="en-US" dirty="0">
+                <a:latin typeface="Yu Gothic" panose="020B0400000000000000" pitchFamily="34" charset="-128"/>
+                <a:ea typeface="Yu Gothic" panose="020B0400000000000000" pitchFamily="34" charset="-128"/>
+              </a:rPr>
+              <a:t>That’s a great question!</a:t>
+            </a:r>
+          </a:p>
+        </p:txBody>
+      </p:sp>
+      <p:pic>
+        <p:nvPicPr>
+          <p:cNvPr id="7170" name="Picture 2">
+            <a:extLst>
+              <a:ext uri="{FF2B5EF4-FFF2-40B4-BE49-F238E27FC236}">
+                <a16:creationId xmlns:a16="http://schemas.microsoft.com/office/drawing/2014/main" id="{0B6B9D38-8ED8-622F-0667-790BC53ABE6F}"/>
+              </a:ext>
+            </a:extLst>
+          </p:cNvPr>
+          <p:cNvPicPr>
+            <a:picLocks noChangeAspect="1" noChangeArrowheads="1"/>
+          </p:cNvPicPr>
+          <p:nvPr/>
+        </p:nvPicPr>
+        <p:blipFill>
+          <a:blip r:embed="rId2">
+            <a:extLst>
+              <a:ext uri="{28A0092B-C50C-407E-A947-70E740481C1C}">
+                <a14:useLocalDpi xmlns:a14="http://schemas.microsoft.com/office/drawing/2010/main" val="0"/>
+              </a:ext>
+            </a:extLst>
+          </a:blip>
+          <a:srcRect/>
+          <a:stretch>
+            <a:fillRect/>
+          </a:stretch>
+        </p:blipFill>
+        <p:spPr bwMode="auto">
+          <a:xfrm>
+            <a:off x="2692400" y="2019300"/>
+            <a:ext cx="7620000" cy="5715000"/>
+          </a:xfrm>
+          <a:prstGeom prst="rect">
+            <a:avLst/>
+          </a:prstGeom>
+          <a:noFill/>
+          <a:extLst>
+            <a:ext uri="{909E8E84-426E-40DD-AFC4-6F175D3DCCD1}">
+              <a14:hiddenFill xmlns:a14="http://schemas.microsoft.com/office/drawing/2010/main">
+                <a:solidFill>
+                  <a:srgbClr val="FFFFFF"/>
+                </a:solidFill>
+              </a14:hiddenFill>
+            </a:ext>
+          </a:extLst>
+        </p:spPr>
+      </p:pic>
+    </p:spTree>
+    <p:extLst>
+      <p:ext uri="{BB962C8B-B14F-4D97-AF65-F5344CB8AC3E}">
+        <p14:creationId xmlns:p14="http://schemas.microsoft.com/office/powerpoint/2010/main" val="3803423039"/>
+      </p:ext>
+    </p:extLst>
+  </p:cSld>
+  <p:clrMapOvr>
+    <a:masterClrMapping/>
+  </p:clrMapOvr>
+</p:sld>
+</file>
+
+<file path=ppt/slides/slide61.xml><?xml version="1.0" encoding="utf-8"?>
 <p:sld xmlns:a="http://schemas.openxmlformats.org/drawingml/2006/main" xmlns:r="http://schemas.openxmlformats.org/officeDocument/2006/relationships" xmlns:p="http://schemas.openxmlformats.org/presentationml/2006/main">
   <p:cSld>
     <p:spTree>

--- a/Summary/20251120_jonmah_committee_meeting.pptx
+++ b/Summary/20251120_jonmah_committee_meeting.pptx
@@ -255,354 +255,23 @@
 </p:presentation>
 </file>
 
-<file path=ppt/revisionInfo.xml><?xml version="1.0" encoding="utf-8"?>
-<p1510:revInfo xmlns:a="http://schemas.openxmlformats.org/drawingml/2006/main" xmlns:r="http://schemas.openxmlformats.org/officeDocument/2006/relationships" xmlns:p1510="http://schemas.microsoft.com/office/powerpoint/2015/10/main">
-  <p1510:revLst>
-    <p1510:client id="{AB91ECAB-DE02-411C-88A8-20AB276EAD61}" v="1" dt="2025-12-10T17:03:21.840"/>
-  </p1510:revLst>
-</p1510:revInfo>
-</file>
-
 <file path=ppt/changesInfos/changesInfo1.xml><?xml version="1.0" encoding="utf-8"?>
 <pc:chgInfo xmlns:a="http://schemas.openxmlformats.org/drawingml/2006/main" xmlns:r="http://schemas.openxmlformats.org/officeDocument/2006/relationships" xmlns:ac="http://schemas.microsoft.com/office/drawing/2013/main/command" xmlns:pc="http://schemas.microsoft.com/office/powerpoint/2013/main/command">
   <pc:docChgLst>
-    <pc:chgData name="Jonathan Mah" userId="5261b2f2f3e51194" providerId="LiveId" clId="{A5D66373-2F43-49C1-972D-0BE2B77E544E}"/>
-    <pc:docChg chg="custSel addSld modSld modSection">
-      <pc:chgData name="Jonathan Mah" userId="5261b2f2f3e51194" providerId="LiveId" clId="{A5D66373-2F43-49C1-972D-0BE2B77E544E}" dt="2025-12-10T17:03:32.070" v="3" actId="732"/>
+    <pc:chgData name="Jonathan Mah" userId="5261b2f2f3e51194" providerId="LiveId" clId="{DB9BCF8B-E91B-491C-8171-92D39BBC1534}"/>
+    <pc:docChg chg="undo custSel addSld modSld">
+      <pc:chgData name="Jonathan Mah" userId="5261b2f2f3e51194" providerId="LiveId" clId="{DB9BCF8B-E91B-491C-8171-92D39BBC1534}" dt="2026-02-18T20:29:45.060" v="4145" actId="1076"/>
       <pc:docMkLst>
         <pc:docMk/>
       </pc:docMkLst>
-      <pc:sldChg chg="addSp delSp modSp new mod">
-        <pc:chgData name="Jonathan Mah" userId="5261b2f2f3e51194" providerId="LiveId" clId="{A5D66373-2F43-49C1-972D-0BE2B77E544E}" dt="2025-12-10T17:03:32.070" v="3" actId="732"/>
-        <pc:sldMkLst>
-          <pc:docMk/>
-          <pc:sldMk cId="1294611952" sldId="330"/>
-        </pc:sldMkLst>
-        <pc:spChg chg="del">
-          <ac:chgData name="Jonathan Mah" userId="5261b2f2f3e51194" providerId="LiveId" clId="{A5D66373-2F43-49C1-972D-0BE2B77E544E}" dt="2025-12-10T17:03:19.747" v="1" actId="478"/>
-          <ac:spMkLst>
-            <pc:docMk/>
-            <pc:sldMk cId="1294611952" sldId="330"/>
-            <ac:spMk id="2" creationId="{E7AE5EB4-D8E8-7CAA-CA11-EFCCB13A04C7}"/>
-          </ac:spMkLst>
-        </pc:spChg>
-        <pc:spChg chg="del">
-          <ac:chgData name="Jonathan Mah" userId="5261b2f2f3e51194" providerId="LiveId" clId="{A5D66373-2F43-49C1-972D-0BE2B77E544E}" dt="2025-12-10T17:03:19.747" v="1" actId="478"/>
-          <ac:spMkLst>
-            <pc:docMk/>
-            <pc:sldMk cId="1294611952" sldId="330"/>
-            <ac:spMk id="3" creationId="{FF9EF8FA-9C8B-4B69-E197-D89CE90B24B9}"/>
-          </ac:spMkLst>
-        </pc:spChg>
-        <pc:picChg chg="add mod modCrop">
-          <ac:chgData name="Jonathan Mah" userId="5261b2f2f3e51194" providerId="LiveId" clId="{A5D66373-2F43-49C1-972D-0BE2B77E544E}" dt="2025-12-10T17:03:32.070" v="3" actId="732"/>
-          <ac:picMkLst>
-            <pc:docMk/>
-            <pc:sldMk cId="1294611952" sldId="330"/>
-            <ac:picMk id="4" creationId="{81A94974-0FC3-D8CA-B104-761F527D220D}"/>
-          </ac:picMkLst>
-        </pc:picChg>
-      </pc:sldChg>
-    </pc:docChg>
-  </pc:docChgLst>
-  <pc:docChgLst>
-    <pc:chgData name="Jonathan Mah" userId="5261b2f2f3e51194" providerId="LiveId" clId="{DB9BCF8B-E91B-491C-8171-92D39BBC1534}"/>
-    <pc:docChg chg="undo custSel addSld modSld">
-      <pc:chgData name="Jonathan Mah" userId="5261b2f2f3e51194" providerId="LiveId" clId="{DB9BCF8B-E91B-491C-8171-92D39BBC1534}" dt="2025-11-20T22:04:46.424" v="4144" actId="20577"/>
-      <pc:docMkLst>
-        <pc:docMk/>
-      </pc:docMkLst>
-      <pc:sldChg chg="modNotesTx">
-        <pc:chgData name="Jonathan Mah" userId="5261b2f2f3e51194" providerId="LiveId" clId="{DB9BCF8B-E91B-491C-8171-92D39BBC1534}" dt="2025-11-20T17:06:15.636" v="289" actId="20577"/>
-        <pc:sldMkLst>
-          <pc:docMk/>
-          <pc:sldMk cId="0" sldId="256"/>
-        </pc:sldMkLst>
-      </pc:sldChg>
-      <pc:sldChg chg="modNotesTx">
-        <pc:chgData name="Jonathan Mah" userId="5261b2f2f3e51194" providerId="LiveId" clId="{DB9BCF8B-E91B-491C-8171-92D39BBC1534}" dt="2025-11-20T17:21:32.096" v="917" actId="20577"/>
-        <pc:sldMkLst>
-          <pc:docMk/>
-          <pc:sldMk cId="1283752724" sldId="270"/>
-        </pc:sldMkLst>
-      </pc:sldChg>
-      <pc:sldChg chg="delSp mod modNotesTx">
-        <pc:chgData name="Jonathan Mah" userId="5261b2f2f3e51194" providerId="LiveId" clId="{DB9BCF8B-E91B-491C-8171-92D39BBC1534}" dt="2025-11-20T17:31:19.101" v="1156" actId="478"/>
-        <pc:sldMkLst>
-          <pc:docMk/>
-          <pc:sldMk cId="2013949097" sldId="274"/>
-        </pc:sldMkLst>
-      </pc:sldChg>
-      <pc:sldChg chg="addSp delSp modSp mod modNotesTx">
-        <pc:chgData name="Jonathan Mah" userId="5261b2f2f3e51194" providerId="LiveId" clId="{DB9BCF8B-E91B-491C-8171-92D39BBC1534}" dt="2025-11-20T17:52:41.795" v="2188" actId="14100"/>
-        <pc:sldMkLst>
-          <pc:docMk/>
-          <pc:sldMk cId="3143581182" sldId="275"/>
-        </pc:sldMkLst>
-        <pc:spChg chg="mod">
-          <ac:chgData name="Jonathan Mah" userId="5261b2f2f3e51194" providerId="LiveId" clId="{DB9BCF8B-E91B-491C-8171-92D39BBC1534}" dt="2025-11-20T17:52:41.795" v="2188" actId="14100"/>
-          <ac:spMkLst>
-            <pc:docMk/>
-            <pc:sldMk cId="3143581182" sldId="275"/>
-            <ac:spMk id="14" creationId="{252FE87C-DA2B-A89E-E6CE-3E5DE01239DD}"/>
-          </ac:spMkLst>
-        </pc:spChg>
-        <pc:picChg chg="add mod ord">
-          <ac:chgData name="Jonathan Mah" userId="5261b2f2f3e51194" providerId="LiveId" clId="{DB9BCF8B-E91B-491C-8171-92D39BBC1534}" dt="2025-11-20T17:52:21.252" v="2184" actId="167"/>
-          <ac:picMkLst>
-            <pc:docMk/>
-            <pc:sldMk cId="3143581182" sldId="275"/>
-            <ac:picMk id="3" creationId="{2EE0607B-6025-4EA4-7474-7230F848E2D5}"/>
-          </ac:picMkLst>
-        </pc:picChg>
-      </pc:sldChg>
-      <pc:sldChg chg="addSp delSp modSp mod modNotesTx">
-        <pc:chgData name="Jonathan Mah" userId="5261b2f2f3e51194" providerId="LiveId" clId="{DB9BCF8B-E91B-491C-8171-92D39BBC1534}" dt="2025-11-20T17:52:53.398" v="2192" actId="14100"/>
-        <pc:sldMkLst>
-          <pc:docMk/>
-          <pc:sldMk cId="827994631" sldId="276"/>
-        </pc:sldMkLst>
-        <pc:spChg chg="mod">
-          <ac:chgData name="Jonathan Mah" userId="5261b2f2f3e51194" providerId="LiveId" clId="{DB9BCF8B-E91B-491C-8171-92D39BBC1534}" dt="2025-11-20T17:52:53.398" v="2192" actId="14100"/>
-          <ac:spMkLst>
-            <pc:docMk/>
-            <pc:sldMk cId="827994631" sldId="276"/>
-            <ac:spMk id="14" creationId="{12A808E6-B05C-8895-95BD-6580B0F8789D}"/>
-          </ac:spMkLst>
-        </pc:spChg>
-        <pc:picChg chg="add mod ord">
-          <ac:chgData name="Jonathan Mah" userId="5261b2f2f3e51194" providerId="LiveId" clId="{DB9BCF8B-E91B-491C-8171-92D39BBC1534}" dt="2025-11-20T17:52:48.818" v="2190" actId="1076"/>
-          <ac:picMkLst>
-            <pc:docMk/>
-            <pc:sldMk cId="827994631" sldId="276"/>
-            <ac:picMk id="3" creationId="{B823CF14-49B3-91CA-DEA7-3E72A0921E97}"/>
-          </ac:picMkLst>
-        </pc:picChg>
-      </pc:sldChg>
-      <pc:sldChg chg="addSp delSp modSp mod modNotesTx">
-        <pc:chgData name="Jonathan Mah" userId="5261b2f2f3e51194" providerId="LiveId" clId="{DB9BCF8B-E91B-491C-8171-92D39BBC1534}" dt="2025-11-20T17:53:14.170" v="2195" actId="14100"/>
-        <pc:sldMkLst>
-          <pc:docMk/>
-          <pc:sldMk cId="3060462361" sldId="277"/>
-        </pc:sldMkLst>
-        <pc:spChg chg="mod">
-          <ac:chgData name="Jonathan Mah" userId="5261b2f2f3e51194" providerId="LiveId" clId="{DB9BCF8B-E91B-491C-8171-92D39BBC1534}" dt="2025-11-20T17:53:14.170" v="2195" actId="14100"/>
-          <ac:spMkLst>
-            <pc:docMk/>
-            <pc:sldMk cId="3060462361" sldId="277"/>
-            <ac:spMk id="14" creationId="{5ED55A9F-0648-D163-874C-F7223FAB5107}"/>
-          </ac:spMkLst>
-        </pc:spChg>
-        <pc:picChg chg="add mod ord">
-          <ac:chgData name="Jonathan Mah" userId="5261b2f2f3e51194" providerId="LiveId" clId="{DB9BCF8B-E91B-491C-8171-92D39BBC1534}" dt="2025-11-20T17:52:30.133" v="2186" actId="167"/>
-          <ac:picMkLst>
-            <pc:docMk/>
-            <pc:sldMk cId="3060462361" sldId="277"/>
-            <ac:picMk id="3" creationId="{8E1175D9-7C7C-1A9C-512A-8640F70A53AD}"/>
-          </ac:picMkLst>
-        </pc:picChg>
-      </pc:sldChg>
-      <pc:sldChg chg="addSp delSp modSp mod modNotesTx">
-        <pc:chgData name="Jonathan Mah" userId="5261b2f2f3e51194" providerId="LiveId" clId="{DB9BCF8B-E91B-491C-8171-92D39BBC1534}" dt="2025-11-20T17:15:20.136" v="865" actId="20577"/>
-        <pc:sldMkLst>
-          <pc:docMk/>
-          <pc:sldMk cId="3987497924" sldId="280"/>
-        </pc:sldMkLst>
-        <pc:picChg chg="mod">
-          <ac:chgData name="Jonathan Mah" userId="5261b2f2f3e51194" providerId="LiveId" clId="{DB9BCF8B-E91B-491C-8171-92D39BBC1534}" dt="2025-11-20T17:09:38.747" v="569" actId="1076"/>
-          <ac:picMkLst>
-            <pc:docMk/>
-            <pc:sldMk cId="3987497924" sldId="280"/>
-            <ac:picMk id="5" creationId="{0226EB26-88B1-B0EF-AA57-AECDBF45CA94}"/>
-          </ac:picMkLst>
-        </pc:picChg>
-      </pc:sldChg>
-      <pc:sldChg chg="modSp mod">
-        <pc:chgData name="Jonathan Mah" userId="5261b2f2f3e51194" providerId="LiveId" clId="{DB9BCF8B-E91B-491C-8171-92D39BBC1534}" dt="2025-11-20T17:08:25.236" v="562" actId="20577"/>
-        <pc:sldMkLst>
-          <pc:docMk/>
-          <pc:sldMk cId="951066982" sldId="281"/>
-        </pc:sldMkLst>
-        <pc:spChg chg="mod">
-          <ac:chgData name="Jonathan Mah" userId="5261b2f2f3e51194" providerId="LiveId" clId="{DB9BCF8B-E91B-491C-8171-92D39BBC1534}" dt="2025-11-20T17:08:25.236" v="562" actId="20577"/>
-          <ac:spMkLst>
-            <pc:docMk/>
-            <pc:sldMk cId="951066982" sldId="281"/>
-            <ac:spMk id="3" creationId="{D3CF7DDC-0562-D736-4A2E-225A746C8434}"/>
-          </ac:spMkLst>
-        </pc:spChg>
-      </pc:sldChg>
-      <pc:sldChg chg="modNotesTx">
-        <pc:chgData name="Jonathan Mah" userId="5261b2f2f3e51194" providerId="LiveId" clId="{DB9BCF8B-E91B-491C-8171-92D39BBC1534}" dt="2025-11-20T17:07:05.469" v="555" actId="20577"/>
-        <pc:sldMkLst>
-          <pc:docMk/>
-          <pc:sldMk cId="4159860108" sldId="282"/>
-        </pc:sldMkLst>
-      </pc:sldChg>
-      <pc:sldChg chg="modNotesTx">
-        <pc:chgData name="Jonathan Mah" userId="5261b2f2f3e51194" providerId="LiveId" clId="{DB9BCF8B-E91B-491C-8171-92D39BBC1534}" dt="2025-11-20T20:51:33.823" v="3693" actId="20577"/>
-        <pc:sldMkLst>
-          <pc:docMk/>
-          <pc:sldMk cId="1428314087" sldId="284"/>
-        </pc:sldMkLst>
-      </pc:sldChg>
-      <pc:sldChg chg="modNotesTx">
-        <pc:chgData name="Jonathan Mah" userId="5261b2f2f3e51194" providerId="LiveId" clId="{DB9BCF8B-E91B-491C-8171-92D39BBC1534}" dt="2025-11-20T17:23:56.691" v="1032" actId="20577"/>
-        <pc:sldMkLst>
-          <pc:docMk/>
-          <pc:sldMk cId="699070622" sldId="287"/>
-        </pc:sldMkLst>
-      </pc:sldChg>
-      <pc:sldChg chg="modNotesTx">
-        <pc:chgData name="Jonathan Mah" userId="5261b2f2f3e51194" providerId="LiveId" clId="{DB9BCF8B-E91B-491C-8171-92D39BBC1534}" dt="2025-11-20T17:23:25.007" v="1030" actId="20577"/>
-        <pc:sldMkLst>
-          <pc:docMk/>
-          <pc:sldMk cId="3161931992" sldId="288"/>
-        </pc:sldMkLst>
-      </pc:sldChg>
-      <pc:sldChg chg="addSp modSp mod modNotesTx">
-        <pc:chgData name="Jonathan Mah" userId="5261b2f2f3e51194" providerId="LiveId" clId="{DB9BCF8B-E91B-491C-8171-92D39BBC1534}" dt="2025-11-20T17:26:15.346" v="1049" actId="14100"/>
-        <pc:sldMkLst>
-          <pc:docMk/>
-          <pc:sldMk cId="2532190129" sldId="289"/>
-        </pc:sldMkLst>
-        <pc:spChg chg="mod">
-          <ac:chgData name="Jonathan Mah" userId="5261b2f2f3e51194" providerId="LiveId" clId="{DB9BCF8B-E91B-491C-8171-92D39BBC1534}" dt="2025-11-20T17:25:46.659" v="1042" actId="208"/>
-          <ac:spMkLst>
-            <pc:docMk/>
-            <pc:sldMk cId="2532190129" sldId="289"/>
-            <ac:spMk id="3" creationId="{D629003F-CB14-1E81-3DC8-EB00BEA447F3}"/>
-          </ac:spMkLst>
-        </pc:spChg>
-        <pc:spChg chg="add mod">
-          <ac:chgData name="Jonathan Mah" userId="5261b2f2f3e51194" providerId="LiveId" clId="{DB9BCF8B-E91B-491C-8171-92D39BBC1534}" dt="2025-11-20T17:26:15.346" v="1049" actId="14100"/>
-          <ac:spMkLst>
-            <pc:docMk/>
-            <pc:sldMk cId="2532190129" sldId="289"/>
-            <ac:spMk id="4" creationId="{3E29924E-3926-8279-CAA1-7B0240C9A741}"/>
-          </ac:spMkLst>
-        </pc:spChg>
-      </pc:sldChg>
-      <pc:sldChg chg="modNotesTx">
-        <pc:chgData name="Jonathan Mah" userId="5261b2f2f3e51194" providerId="LiveId" clId="{DB9BCF8B-E91B-491C-8171-92D39BBC1534}" dt="2025-11-20T21:50:37.319" v="3961" actId="20577"/>
-        <pc:sldMkLst>
-          <pc:docMk/>
-          <pc:sldMk cId="2186476797" sldId="290"/>
-        </pc:sldMkLst>
-      </pc:sldChg>
-      <pc:sldChg chg="modSp mod modNotesTx">
-        <pc:chgData name="Jonathan Mah" userId="5261b2f2f3e51194" providerId="LiveId" clId="{DB9BCF8B-E91B-491C-8171-92D39BBC1534}" dt="2025-11-20T21:45:14.182" v="3791" actId="20577"/>
-        <pc:sldMkLst>
-          <pc:docMk/>
-          <pc:sldMk cId="4030106359" sldId="293"/>
-        </pc:sldMkLst>
-        <pc:spChg chg="mod">
-          <ac:chgData name="Jonathan Mah" userId="5261b2f2f3e51194" providerId="LiveId" clId="{DB9BCF8B-E91B-491C-8171-92D39BBC1534}" dt="2025-11-20T17:54:53.885" v="2274" actId="208"/>
-          <ac:spMkLst>
-            <pc:docMk/>
-            <pc:sldMk cId="4030106359" sldId="293"/>
-            <ac:spMk id="3" creationId="{CCAEE833-8C6D-365B-05E8-E2225F232927}"/>
-          </ac:spMkLst>
-        </pc:spChg>
-      </pc:sldChg>
-      <pc:sldChg chg="modSp mod modNotesTx">
-        <pc:chgData name="Jonathan Mah" userId="5261b2f2f3e51194" providerId="LiveId" clId="{DB9BCF8B-E91B-491C-8171-92D39BBC1534}" dt="2025-11-20T22:04:46.424" v="4144" actId="20577"/>
-        <pc:sldMkLst>
-          <pc:docMk/>
-          <pc:sldMk cId="2576943687" sldId="315"/>
-        </pc:sldMkLst>
-        <pc:spChg chg="mod">
-          <ac:chgData name="Jonathan Mah" userId="5261b2f2f3e51194" providerId="LiveId" clId="{DB9BCF8B-E91B-491C-8171-92D39BBC1534}" dt="2025-11-20T20:19:15.397" v="3567" actId="1076"/>
-          <ac:spMkLst>
-            <pc:docMk/>
-            <pc:sldMk cId="2576943687" sldId="315"/>
-            <ac:spMk id="3" creationId="{54B0DEA1-C0F9-F5C0-C574-8C46D50FA8D3}"/>
-          </ac:spMkLst>
-        </pc:spChg>
-      </pc:sldChg>
       <pc:sldChg chg="addSp modSp add mod modNotesTx">
-        <pc:chgData name="Jonathan Mah" userId="5261b2f2f3e51194" providerId="LiveId" clId="{DB9BCF8B-E91B-491C-8171-92D39BBC1534}" dt="2025-11-20T17:11:21.157" v="659" actId="20577"/>
-        <pc:sldMkLst>
-          <pc:docMk/>
-          <pc:sldMk cId="2446006912" sldId="316"/>
-        </pc:sldMkLst>
-        <pc:spChg chg="add mod">
-          <ac:chgData name="Jonathan Mah" userId="5261b2f2f3e51194" providerId="LiveId" clId="{DB9BCF8B-E91B-491C-8171-92D39BBC1534}" dt="2025-11-20T17:11:00.901" v="577" actId="14100"/>
-          <ac:spMkLst>
-            <pc:docMk/>
-            <pc:sldMk cId="2446006912" sldId="316"/>
-            <ac:spMk id="3" creationId="{9AE27AC5-F502-9B4E-9726-714278951536}"/>
-          </ac:spMkLst>
-        </pc:spChg>
-      </pc:sldChg>
-      <pc:sldChg chg="addSp modSp add mod modNotesTx">
-        <pc:chgData name="Jonathan Mah" userId="5261b2f2f3e51194" providerId="LiveId" clId="{DB9BCF8B-E91B-491C-8171-92D39BBC1534}" dt="2025-11-20T17:27:15.603" v="1055" actId="20577"/>
-        <pc:sldMkLst>
-          <pc:docMk/>
-          <pc:sldMk cId="1283649620" sldId="317"/>
-        </pc:sldMkLst>
-        <pc:spChg chg="mod">
-          <ac:chgData name="Jonathan Mah" userId="5261b2f2f3e51194" providerId="LiveId" clId="{DB9BCF8B-E91B-491C-8171-92D39BBC1534}" dt="2025-11-20T17:26:26.541" v="1050" actId="208"/>
-          <ac:spMkLst>
-            <pc:docMk/>
-            <pc:sldMk cId="1283649620" sldId="317"/>
-            <ac:spMk id="3" creationId="{7680A695-1F50-B571-C2FA-ADD4040E8524}"/>
-          </ac:spMkLst>
-        </pc:spChg>
-        <pc:spChg chg="add mod">
-          <ac:chgData name="Jonathan Mah" userId="5261b2f2f3e51194" providerId="LiveId" clId="{DB9BCF8B-E91B-491C-8171-92D39BBC1534}" dt="2025-11-20T17:26:40.515" v="1054" actId="14100"/>
-          <ac:spMkLst>
-            <pc:docMk/>
-            <pc:sldMk cId="1283649620" sldId="317"/>
-            <ac:spMk id="4" creationId="{8A06EFCE-C0D2-BCA0-B8F5-E3708449719E}"/>
-          </ac:spMkLst>
-        </pc:spChg>
-      </pc:sldChg>
-      <pc:sldChg chg="add modNotesTx">
-        <pc:chgData name="Jonathan Mah" userId="5261b2f2f3e51194" providerId="LiveId" clId="{DB9BCF8B-E91B-491C-8171-92D39BBC1534}" dt="2025-11-20T17:24:43.932" v="1035" actId="6549"/>
-        <pc:sldMkLst>
-          <pc:docMk/>
-          <pc:sldMk cId="1468255695" sldId="318"/>
-        </pc:sldMkLst>
-      </pc:sldChg>
-      <pc:sldChg chg="addSp delSp modSp add mod modNotesTx">
-        <pc:chgData name="Jonathan Mah" userId="5261b2f2f3e51194" providerId="LiveId" clId="{DB9BCF8B-E91B-491C-8171-92D39BBC1534}" dt="2025-11-20T17:54:10.478" v="2273"/>
-        <pc:sldMkLst>
-          <pc:docMk/>
-          <pc:sldMk cId="3430087762" sldId="319"/>
-        </pc:sldMkLst>
-        <pc:picChg chg="add mod">
-          <ac:chgData name="Jonathan Mah" userId="5261b2f2f3e51194" providerId="LiveId" clId="{DB9BCF8B-E91B-491C-8171-92D39BBC1534}" dt="2025-11-20T17:54:10.478" v="2273"/>
-          <ac:picMkLst>
-            <pc:docMk/>
-            <pc:sldMk cId="3430087762" sldId="319"/>
-            <ac:picMk id="3" creationId="{385F8E6B-FE80-371A-29A5-76E21A0327C9}"/>
-          </ac:picMkLst>
-        </pc:picChg>
-      </pc:sldChg>
-      <pc:sldChg chg="addSp modSp add mod modNotesTx">
-        <pc:chgData name="Jonathan Mah" userId="5261b2f2f3e51194" providerId="LiveId" clId="{DB9BCF8B-E91B-491C-8171-92D39BBC1534}" dt="2025-11-20T17:35:23.342" v="1642" actId="20577"/>
-        <pc:sldMkLst>
-          <pc:docMk/>
-          <pc:sldMk cId="1448368057" sldId="320"/>
-        </pc:sldMkLst>
-        <pc:picChg chg="add mod modCrop">
-          <ac:chgData name="Jonathan Mah" userId="5261b2f2f3e51194" providerId="LiveId" clId="{DB9BCF8B-E91B-491C-8171-92D39BBC1534}" dt="2025-11-20T17:33:29.065" v="1265" actId="14100"/>
-          <ac:picMkLst>
-            <pc:docMk/>
-            <pc:sldMk cId="1448368057" sldId="320"/>
-            <ac:picMk id="3" creationId="{BB8811AB-4E36-9DAD-C458-BC08BBB7E3C3}"/>
-          </ac:picMkLst>
-        </pc:picChg>
-      </pc:sldChg>
-      <pc:sldChg chg="addSp modSp add mod modNotesTx">
-        <pc:chgData name="Jonathan Mah" userId="5261b2f2f3e51194" providerId="LiveId" clId="{DB9BCF8B-E91B-491C-8171-92D39BBC1534}" dt="2025-11-20T17:39:45.805" v="1989" actId="20577"/>
+        <pc:chgData name="Jonathan Mah" userId="5261b2f2f3e51194" providerId="LiveId" clId="{DB9BCF8B-E91B-491C-8171-92D39BBC1534}" dt="2026-02-18T20:29:45.060" v="4145" actId="1076"/>
         <pc:sldMkLst>
           <pc:docMk/>
           <pc:sldMk cId="3985460876" sldId="321"/>
         </pc:sldMkLst>
         <pc:spChg chg="add mod">
-          <ac:chgData name="Jonathan Mah" userId="5261b2f2f3e51194" providerId="LiveId" clId="{DB9BCF8B-E91B-491C-8171-92D39BBC1534}" dt="2025-11-20T17:39:18.330" v="1946" actId="1582"/>
+          <ac:chgData name="Jonathan Mah" userId="5261b2f2f3e51194" providerId="LiveId" clId="{DB9BCF8B-E91B-491C-8171-92D39BBC1534}" dt="2026-02-18T20:29:45.060" v="4145" actId="1076"/>
           <ac:spMkLst>
             <pc:docMk/>
             <pc:sldMk cId="3985460876" sldId="321"/>
@@ -610,7 +279,7 @@
           </ac:spMkLst>
         </pc:spChg>
         <pc:spChg chg="add mod">
-          <ac:chgData name="Jonathan Mah" userId="5261b2f2f3e51194" providerId="LiveId" clId="{DB9BCF8B-E91B-491C-8171-92D39BBC1534}" dt="2025-11-20T17:39:18.330" v="1946" actId="1582"/>
+          <ac:chgData name="Jonathan Mah" userId="5261b2f2f3e51194" providerId="LiveId" clId="{DB9BCF8B-E91B-491C-8171-92D39BBC1534}" dt="2026-02-18T20:29:45.060" v="4145" actId="1076"/>
           <ac:spMkLst>
             <pc:docMk/>
             <pc:sldMk cId="3985460876" sldId="321"/>
@@ -618,197 +287,69 @@
           </ac:spMkLst>
         </pc:spChg>
         <pc:spChg chg="add mod">
-          <ac:chgData name="Jonathan Mah" userId="5261b2f2f3e51194" providerId="LiveId" clId="{DB9BCF8B-E91B-491C-8171-92D39BBC1534}" dt="2025-11-20T17:39:18.330" v="1946" actId="1582"/>
+          <ac:chgData name="Jonathan Mah" userId="5261b2f2f3e51194" providerId="LiveId" clId="{DB9BCF8B-E91B-491C-8171-92D39BBC1534}" dt="2026-02-18T20:29:45.060" v="4145" actId="1076"/>
           <ac:spMkLst>
             <pc:docMk/>
             <pc:sldMk cId="3985460876" sldId="321"/>
             <ac:spMk id="6" creationId="{DF7330B9-3B57-02A3-DAF6-3699E6A6D1A4}"/>
           </ac:spMkLst>
         </pc:spChg>
-      </pc:sldChg>
-      <pc:sldChg chg="addSp delSp modSp add mod modNotesTx">
-        <pc:chgData name="Jonathan Mah" userId="5261b2f2f3e51194" providerId="LiveId" clId="{DB9BCF8B-E91B-491C-8171-92D39BBC1534}" dt="2025-11-20T17:53:50.558" v="2272" actId="14100"/>
-        <pc:sldMkLst>
-          <pc:docMk/>
-          <pc:sldMk cId="62847071" sldId="322"/>
-        </pc:sldMkLst>
-        <pc:spChg chg="add mod">
-          <ac:chgData name="Jonathan Mah" userId="5261b2f2f3e51194" providerId="LiveId" clId="{DB9BCF8B-E91B-491C-8171-92D39BBC1534}" dt="2025-11-20T17:53:50.558" v="2272" actId="14100"/>
+        <pc:spChg chg="mod">
+          <ac:chgData name="Jonathan Mah" userId="5261b2f2f3e51194" providerId="LiveId" clId="{DB9BCF8B-E91B-491C-8171-92D39BBC1534}" dt="2026-02-18T20:29:45.060" v="4145" actId="1076"/>
           <ac:spMkLst>
             <pc:docMk/>
-            <pc:sldMk cId="62847071" sldId="322"/>
-            <ac:spMk id="6" creationId="{987EC07D-1409-FD49-B8AB-595C21E616CA}"/>
+            <pc:sldMk cId="3985460876" sldId="321"/>
+            <ac:spMk id="8" creationId="{88493270-94D8-291D-55FC-9A350280FA8A}"/>
           </ac:spMkLst>
         </pc:spChg>
-        <pc:picChg chg="add mod ord">
-          <ac:chgData name="Jonathan Mah" userId="5261b2f2f3e51194" providerId="LiveId" clId="{DB9BCF8B-E91B-491C-8171-92D39BBC1534}" dt="2025-11-20T17:52:18.388" v="2183" actId="167"/>
+        <pc:spChg chg="mod">
+          <ac:chgData name="Jonathan Mah" userId="5261b2f2f3e51194" providerId="LiveId" clId="{DB9BCF8B-E91B-491C-8171-92D39BBC1534}" dt="2026-02-18T20:29:45.060" v="4145" actId="1076"/>
+          <ac:spMkLst>
+            <pc:docMk/>
+            <pc:sldMk cId="3985460876" sldId="321"/>
+            <ac:spMk id="9" creationId="{15301101-A206-9ED7-DA40-BB8785705AF3}"/>
+          </ac:spMkLst>
+        </pc:spChg>
+        <pc:spChg chg="mod">
+          <ac:chgData name="Jonathan Mah" userId="5261b2f2f3e51194" providerId="LiveId" clId="{DB9BCF8B-E91B-491C-8171-92D39BBC1534}" dt="2026-02-18T20:29:45.060" v="4145" actId="1076"/>
+          <ac:spMkLst>
+            <pc:docMk/>
+            <pc:sldMk cId="3985460876" sldId="321"/>
+            <ac:spMk id="10" creationId="{5D86E098-487B-7E45-0BEF-C4EDCF00E367}"/>
+          </ac:spMkLst>
+        </pc:spChg>
+        <pc:spChg chg="mod">
+          <ac:chgData name="Jonathan Mah" userId="5261b2f2f3e51194" providerId="LiveId" clId="{DB9BCF8B-E91B-491C-8171-92D39BBC1534}" dt="2026-02-18T20:29:45.060" v="4145" actId="1076"/>
+          <ac:spMkLst>
+            <pc:docMk/>
+            <pc:sldMk cId="3985460876" sldId="321"/>
+            <ac:spMk id="11" creationId="{6385F0AF-9C06-5E21-7457-CED5D3330D4F}"/>
+          </ac:spMkLst>
+        </pc:spChg>
+        <pc:spChg chg="mod">
+          <ac:chgData name="Jonathan Mah" userId="5261b2f2f3e51194" providerId="LiveId" clId="{DB9BCF8B-E91B-491C-8171-92D39BBC1534}" dt="2026-02-18T20:29:45.060" v="4145" actId="1076"/>
+          <ac:spMkLst>
+            <pc:docMk/>
+            <pc:sldMk cId="3985460876" sldId="321"/>
+            <ac:spMk id="12" creationId="{BB774C98-4612-0E3F-FB3A-A7C21676D989}"/>
+          </ac:spMkLst>
+        </pc:spChg>
+        <pc:spChg chg="mod">
+          <ac:chgData name="Jonathan Mah" userId="5261b2f2f3e51194" providerId="LiveId" clId="{DB9BCF8B-E91B-491C-8171-92D39BBC1534}" dt="2026-02-18T20:29:45.060" v="4145" actId="1076"/>
+          <ac:spMkLst>
+            <pc:docMk/>
+            <pc:sldMk cId="3985460876" sldId="321"/>
+            <ac:spMk id="13" creationId="{148FE6C6-38A6-6BD9-4ECE-364492E2900E}"/>
+          </ac:spMkLst>
+        </pc:spChg>
+        <pc:picChg chg="mod">
+          <ac:chgData name="Jonathan Mah" userId="5261b2f2f3e51194" providerId="LiveId" clId="{DB9BCF8B-E91B-491C-8171-92D39BBC1534}" dt="2026-02-18T20:29:45.060" v="4145" actId="1076"/>
           <ac:picMkLst>
             <pc:docMk/>
-            <pc:sldMk cId="62847071" sldId="322"/>
-            <ac:picMk id="4" creationId="{C6804022-49D0-19C2-3639-A843786FA25D}"/>
+            <pc:sldMk cId="3985460876" sldId="321"/>
+            <ac:picMk id="3" creationId="{9AEC0B33-D164-DBF8-B090-DA027BFB7245}"/>
           </ac:picMkLst>
         </pc:picChg>
-      </pc:sldChg>
-      <pc:sldChg chg="addSp delSp modSp add mod">
-        <pc:chgData name="Jonathan Mah" userId="5261b2f2f3e51194" providerId="LiveId" clId="{DB9BCF8B-E91B-491C-8171-92D39BBC1534}" dt="2025-11-20T20:18:01.761" v="3554" actId="1076"/>
-        <pc:sldMkLst>
-          <pc:docMk/>
-          <pc:sldMk cId="1549394937" sldId="323"/>
-        </pc:sldMkLst>
-        <pc:spChg chg="mod">
-          <ac:chgData name="Jonathan Mah" userId="5261b2f2f3e51194" providerId="LiveId" clId="{DB9BCF8B-E91B-491C-8171-92D39BBC1534}" dt="2025-11-20T18:01:36.898" v="2698" actId="14100"/>
-          <ac:spMkLst>
-            <pc:docMk/>
-            <pc:sldMk cId="1549394937" sldId="323"/>
-            <ac:spMk id="2" creationId="{625A2688-59BA-97E1-7C5B-738AD29AC5A1}"/>
-          </ac:spMkLst>
-        </pc:spChg>
-        <pc:picChg chg="add mod">
-          <ac:chgData name="Jonathan Mah" userId="5261b2f2f3e51194" providerId="LiveId" clId="{DB9BCF8B-E91B-491C-8171-92D39BBC1534}" dt="2025-11-20T20:17:52.618" v="3549" actId="1076"/>
-          <ac:picMkLst>
-            <pc:docMk/>
-            <pc:sldMk cId="1549394937" sldId="323"/>
-            <ac:picMk id="4" creationId="{AA912C2A-8589-A802-0FE5-3D55AAB96DDA}"/>
-          </ac:picMkLst>
-        </pc:picChg>
-        <pc:picChg chg="add mod">
-          <ac:chgData name="Jonathan Mah" userId="5261b2f2f3e51194" providerId="LiveId" clId="{DB9BCF8B-E91B-491C-8171-92D39BBC1534}" dt="2025-11-20T20:17:55.265" v="3550" actId="1076"/>
-          <ac:picMkLst>
-            <pc:docMk/>
-            <pc:sldMk cId="1549394937" sldId="323"/>
-            <ac:picMk id="9218" creationId="{ECF356F5-7602-C2D0-BE8C-4911882BCD67}"/>
-          </ac:picMkLst>
-        </pc:picChg>
-        <pc:picChg chg="add mod">
-          <ac:chgData name="Jonathan Mah" userId="5261b2f2f3e51194" providerId="LiveId" clId="{DB9BCF8B-E91B-491C-8171-92D39BBC1534}" dt="2025-11-20T20:18:01.761" v="3554" actId="1076"/>
-          <ac:picMkLst>
-            <pc:docMk/>
-            <pc:sldMk cId="1549394937" sldId="323"/>
-            <ac:picMk id="9220" creationId="{0F996848-01ED-12EF-5F15-124C63FD2808}"/>
-          </ac:picMkLst>
-        </pc:picChg>
-      </pc:sldChg>
-      <pc:sldChg chg="addSp delSp modSp add mod">
-        <pc:chgData name="Jonathan Mah" userId="5261b2f2f3e51194" providerId="LiveId" clId="{DB9BCF8B-E91B-491C-8171-92D39BBC1534}" dt="2025-11-20T18:03:40.103" v="2710"/>
-        <pc:sldMkLst>
-          <pc:docMk/>
-          <pc:sldMk cId="3711617737" sldId="324"/>
-        </pc:sldMkLst>
-        <pc:picChg chg="add">
-          <ac:chgData name="Jonathan Mah" userId="5261b2f2f3e51194" providerId="LiveId" clId="{DB9BCF8B-E91B-491C-8171-92D39BBC1534}" dt="2025-11-20T18:03:40.103" v="2710"/>
-          <ac:picMkLst>
-            <pc:docMk/>
-            <pc:sldMk cId="3711617737" sldId="324"/>
-            <ac:picMk id="2052" creationId="{19410675-A3F7-4D0D-A42C-44061825FFBE}"/>
-          </ac:picMkLst>
-        </pc:picChg>
-      </pc:sldChg>
-      <pc:sldChg chg="addSp add">
-        <pc:chgData name="Jonathan Mah" userId="5261b2f2f3e51194" providerId="LiveId" clId="{DB9BCF8B-E91B-491C-8171-92D39BBC1534}" dt="2025-11-20T18:03:49.002" v="2711"/>
-        <pc:sldMkLst>
-          <pc:docMk/>
-          <pc:sldMk cId="3803423039" sldId="325"/>
-        </pc:sldMkLst>
-        <pc:picChg chg="add">
-          <ac:chgData name="Jonathan Mah" userId="5261b2f2f3e51194" providerId="LiveId" clId="{DB9BCF8B-E91B-491C-8171-92D39BBC1534}" dt="2025-11-20T18:03:49.002" v="2711"/>
-          <ac:picMkLst>
-            <pc:docMk/>
-            <pc:sldMk cId="3803423039" sldId="325"/>
-            <ac:picMk id="7170" creationId="{0B6B9D38-8ED8-622F-0667-790BC53ABE6F}"/>
-          </ac:picMkLst>
-        </pc:picChg>
-      </pc:sldChg>
-      <pc:sldChg chg="addSp add">
-        <pc:chgData name="Jonathan Mah" userId="5261b2f2f3e51194" providerId="LiveId" clId="{DB9BCF8B-E91B-491C-8171-92D39BBC1534}" dt="2025-11-20T18:03:55.984" v="2712"/>
-        <pc:sldMkLst>
-          <pc:docMk/>
-          <pc:sldMk cId="4207279296" sldId="326"/>
-        </pc:sldMkLst>
-        <pc:picChg chg="add">
-          <ac:chgData name="Jonathan Mah" userId="5261b2f2f3e51194" providerId="LiveId" clId="{DB9BCF8B-E91B-491C-8171-92D39BBC1534}" dt="2025-11-20T18:03:55.984" v="2712"/>
-          <ac:picMkLst>
-            <pc:docMk/>
-            <pc:sldMk cId="4207279296" sldId="326"/>
-            <ac:picMk id="8194" creationId="{5B00930B-D579-CACB-C351-3296ED6CCFB3}"/>
-          </ac:picMkLst>
-        </pc:picChg>
-      </pc:sldChg>
-      <pc:sldChg chg="modSp add mod">
-        <pc:chgData name="Jonathan Mah" userId="5261b2f2f3e51194" providerId="LiveId" clId="{DB9BCF8B-E91B-491C-8171-92D39BBC1534}" dt="2025-11-20T18:09:04.601" v="2732" actId="20577"/>
-        <pc:sldMkLst>
-          <pc:docMk/>
-          <pc:sldMk cId="286643451" sldId="327"/>
-        </pc:sldMkLst>
-        <pc:spChg chg="mod">
-          <ac:chgData name="Jonathan Mah" userId="5261b2f2f3e51194" providerId="LiveId" clId="{DB9BCF8B-E91B-491C-8171-92D39BBC1534}" dt="2025-11-20T18:09:04.601" v="2732" actId="20577"/>
-          <ac:spMkLst>
-            <pc:docMk/>
-            <pc:sldMk cId="286643451" sldId="327"/>
-            <ac:spMk id="7" creationId="{318A9553-A4D2-AEC9-6DD2-B3BFE5663594}"/>
-          </ac:spMkLst>
-        </pc:spChg>
-      </pc:sldChg>
-      <pc:sldChg chg="addSp delSp modSp add mod modNotesTx">
-        <pc:chgData name="Jonathan Mah" userId="5261b2f2f3e51194" providerId="LiveId" clId="{DB9BCF8B-E91B-491C-8171-92D39BBC1534}" dt="2025-11-20T19:50:29.328" v="3196" actId="478"/>
-        <pc:sldMkLst>
-          <pc:docMk/>
-          <pc:sldMk cId="3402187243" sldId="328"/>
-        </pc:sldMkLst>
-        <pc:spChg chg="add mod">
-          <ac:chgData name="Jonathan Mah" userId="5261b2f2f3e51194" providerId="LiveId" clId="{DB9BCF8B-E91B-491C-8171-92D39BBC1534}" dt="2025-11-20T19:49:09.836" v="2852" actId="1076"/>
-          <ac:spMkLst>
-            <pc:docMk/>
-            <pc:sldMk cId="3402187243" sldId="328"/>
-            <ac:spMk id="7" creationId="{291FD428-5256-2C5D-550B-BDA86C335924}"/>
-          </ac:spMkLst>
-        </pc:spChg>
-        <pc:spChg chg="add mod">
-          <ac:chgData name="Jonathan Mah" userId="5261b2f2f3e51194" providerId="LiveId" clId="{DB9BCF8B-E91B-491C-8171-92D39BBC1534}" dt="2025-11-20T19:49:05.979" v="2851" actId="1076"/>
-          <ac:spMkLst>
-            <pc:docMk/>
-            <pc:sldMk cId="3402187243" sldId="328"/>
-            <ac:spMk id="16" creationId="{14655CE9-0AF6-CB0D-17CC-7D54D1CF35C4}"/>
-          </ac:spMkLst>
-        </pc:spChg>
-        <pc:spChg chg="add mod">
-          <ac:chgData name="Jonathan Mah" userId="5261b2f2f3e51194" providerId="LiveId" clId="{DB9BCF8B-E91B-491C-8171-92D39BBC1534}" dt="2025-11-20T19:49:02.838" v="2850" actId="1076"/>
-          <ac:spMkLst>
-            <pc:docMk/>
-            <pc:sldMk cId="3402187243" sldId="328"/>
-            <ac:spMk id="17" creationId="{1080EF2B-0ACA-DA97-31CE-4D4DE61A70BB}"/>
-          </ac:spMkLst>
-        </pc:spChg>
-        <pc:picChg chg="add mod">
-          <ac:chgData name="Jonathan Mah" userId="5261b2f2f3e51194" providerId="LiveId" clId="{DB9BCF8B-E91B-491C-8171-92D39BBC1534}" dt="2025-11-20T18:19:58.380" v="2762" actId="1076"/>
-          <ac:picMkLst>
-            <pc:docMk/>
-            <pc:sldMk cId="3402187243" sldId="328"/>
-            <ac:picMk id="4" creationId="{9FEA3F8C-849E-AB53-D527-38F5EDE36858}"/>
-          </ac:picMkLst>
-        </pc:picChg>
-        <pc:picChg chg="add mod">
-          <ac:chgData name="Jonathan Mah" userId="5261b2f2f3e51194" providerId="LiveId" clId="{DB9BCF8B-E91B-491C-8171-92D39BBC1534}" dt="2025-11-20T19:48:34.505" v="2828" actId="1076"/>
-          <ac:picMkLst>
-            <pc:docMk/>
-            <pc:sldMk cId="3402187243" sldId="328"/>
-            <ac:picMk id="6" creationId="{86711506-A4B4-05B4-E8F7-D9FC3AC0DEAF}"/>
-          </ac:picMkLst>
-        </pc:picChg>
-        <pc:picChg chg="mod">
-          <ac:chgData name="Jonathan Mah" userId="5261b2f2f3e51194" providerId="LiveId" clId="{DB9BCF8B-E91B-491C-8171-92D39BBC1534}" dt="2025-11-20T18:19:36.710" v="2757" actId="732"/>
-          <ac:picMkLst>
-            <pc:docMk/>
-            <pc:sldMk cId="3402187243" sldId="328"/>
-            <ac:picMk id="12290" creationId="{FB465601-BADB-EFAF-40F8-9BD3B11E73CE}"/>
-          </ac:picMkLst>
-        </pc:picChg>
-      </pc:sldChg>
-      <pc:sldChg chg="add modNotesTx">
-        <pc:chgData name="Jonathan Mah" userId="5261b2f2f3e51194" providerId="LiveId" clId="{DB9BCF8B-E91B-491C-8171-92D39BBC1534}" dt="2025-11-20T19:51:33.730" v="3539" actId="20577"/>
-        <pc:sldMkLst>
-          <pc:docMk/>
-          <pc:sldMk cId="3556887441" sldId="329"/>
-        </pc:sldMkLst>
       </pc:sldChg>
     </pc:docChg>
   </pc:docChgLst>
@@ -897,7 +438,7 @@
           <a:p>
             <a:fld id="{ECB849DA-4571-48AE-B108-B012171980BD}" type="datetimeFigureOut">
               <a:rPr lang="en-US" smtClean="0"/>
-              <a:t>12/10/2025</a:t>
+              <a:t>2/18/2026</a:t>
             </a:fld>
             <a:endParaRPr lang="en-US"/>
           </a:p>
@@ -5835,7 +5376,7 @@
           <a:p>
             <a:fld id="{1D8BD707-D9CF-40AE-B4C6-C98DA3205C09}" type="datetimeFigureOut">
               <a:rPr lang="en-US"/>
-              <a:t>12/10/2025</a:t>
+              <a:t>2/18/2026</a:t>
             </a:fld>
             <a:endParaRPr lang="en-US"/>
           </a:p>
@@ -6010,7 +5551,7 @@
           <a:p>
             <a:fld id="{1D8BD707-D9CF-40AE-B4C6-C98DA3205C09}" type="datetimeFigureOut">
               <a:rPr lang="en-US"/>
-              <a:t>12/10/2025</a:t>
+              <a:t>2/18/2026</a:t>
             </a:fld>
             <a:endParaRPr lang="en-US"/>
           </a:p>
@@ -6224,7 +5765,7 @@
           <a:p>
             <a:fld id="{1D8BD707-D9CF-40AE-B4C6-C98DA3205C09}" type="datetimeFigureOut">
               <a:rPr lang="en-US"/>
-              <a:t>12/10/2025</a:t>
+              <a:t>2/18/2026</a:t>
             </a:fld>
             <a:endParaRPr lang="en-US"/>
           </a:p>
@@ -6372,7 +5913,7 @@
           <a:p>
             <a:fld id="{1D8BD707-D9CF-40AE-B4C6-C98DA3205C09}" type="datetimeFigureOut">
               <a:rPr lang="en-US"/>
-              <a:t>12/10/2025</a:t>
+              <a:t>2/18/2026</a:t>
             </a:fld>
             <a:endParaRPr lang="en-US"/>
           </a:p>
@@ -6491,7 +6032,7 @@
           <a:p>
             <a:fld id="{1D8BD707-D9CF-40AE-B4C6-C98DA3205C09}" type="datetimeFigureOut">
               <a:rPr lang="en-US"/>
-              <a:t>12/10/2025</a:t>
+              <a:t>2/18/2026</a:t>
             </a:fld>
             <a:endParaRPr lang="en-US"/>
           </a:p>
@@ -6714,7 +6255,7 @@
           <a:p>
             <a:fld id="{1D8BD707-D9CF-40AE-B4C6-C98DA3205C09}" type="datetimeFigureOut">
               <a:rPr lang="en-US"/>
-              <a:t>12/10/2025</a:t>
+              <a:t>2/18/2026</a:t>
             </a:fld>
             <a:endParaRPr lang="en-US"/>
           </a:p>
@@ -25710,7 +25251,7 @@
         </p:nvSpPr>
         <p:spPr>
           <a:xfrm>
-            <a:off x="9643664" y="4191407"/>
+            <a:off x="7990396" y="4184995"/>
             <a:ext cx="1051254" cy="1222849"/>
           </a:xfrm>
           <a:prstGeom prst="rect">
@@ -25859,7 +25400,7 @@
         </p:nvSpPr>
         <p:spPr>
           <a:xfrm>
-            <a:off x="9439714" y="6998947"/>
+            <a:off x="7786446" y="6992535"/>
             <a:ext cx="1459154" cy="435596"/>
           </a:xfrm>
           <a:prstGeom prst="rect">
@@ -26008,7 +25549,7 @@
         </p:nvSpPr>
         <p:spPr>
           <a:xfrm>
-            <a:off x="9881300" y="5414256"/>
+            <a:off x="8228032" y="5407844"/>
             <a:ext cx="575982" cy="1584691"/>
           </a:xfrm>
           <a:prstGeom prst="rect">
@@ -26157,7 +25698,7 @@
         </p:nvSpPr>
         <p:spPr>
           <a:xfrm>
-            <a:off x="10892518" y="4296320"/>
+            <a:off x="9239250" y="4289908"/>
             <a:ext cx="2194832" cy="646331"/>
           </a:xfrm>
           <a:prstGeom prst="rect">
@@ -26195,7 +25736,7 @@
         </p:nvSpPr>
         <p:spPr>
           <a:xfrm>
-            <a:off x="10898868" y="5577160"/>
+            <a:off x="9245600" y="5570748"/>
             <a:ext cx="1800493" cy="646331"/>
           </a:xfrm>
           <a:prstGeom prst="rect">
@@ -26233,7 +25774,7 @@
         </p:nvSpPr>
         <p:spPr>
           <a:xfrm>
-            <a:off x="10898868" y="6788212"/>
+            <a:off x="9245600" y="6781800"/>
             <a:ext cx="1678665" cy="646331"/>
           </a:xfrm>
           <a:prstGeom prst="rect">
@@ -26286,7 +25827,7 @@
         </p:blipFill>
         <p:spPr>
           <a:xfrm>
-            <a:off x="5358370" y="3890683"/>
+            <a:off x="3705102" y="3884271"/>
             <a:ext cx="3359431" cy="3881717"/>
           </a:xfrm>
           <a:prstGeom prst="rect">
@@ -26308,7 +25849,7 @@
         </p:nvSpPr>
         <p:spPr>
           <a:xfrm>
-            <a:off x="6502400" y="6998947"/>
+            <a:off x="4849132" y="6992535"/>
             <a:ext cx="2797151" cy="435596"/>
           </a:xfrm>
           <a:prstGeom prst="rect">
@@ -26361,7 +25902,7 @@
         </p:nvSpPr>
         <p:spPr>
           <a:xfrm>
-            <a:off x="6502400" y="5414256"/>
+            <a:off x="4849132" y="5407844"/>
             <a:ext cx="2797151" cy="1569451"/>
           </a:xfrm>
           <a:prstGeom prst="rect">
@@ -26414,7 +25955,7 @@
         </p:nvSpPr>
         <p:spPr>
           <a:xfrm>
-            <a:off x="6502399" y="4199027"/>
+            <a:off x="4849131" y="4192615"/>
             <a:ext cx="2797151" cy="1222849"/>
           </a:xfrm>
           <a:prstGeom prst="rect">
